--- a/python/cfg_reports/worksheets/gPCD Data Anaylisis.pptx
+++ b/python/cfg_reports/worksheets/gPCD Data Anaylisis.pptx
@@ -12,35 +12,37 @@
     <p:sldId id="262" r:id="rId6"/>
     <p:sldId id="264" r:id="rId7"/>
     <p:sldId id="293" r:id="rId8"/>
-    <p:sldId id="269" r:id="rId9"/>
-    <p:sldId id="265" r:id="rId10"/>
-    <p:sldId id="258" r:id="rId11"/>
-    <p:sldId id="298" r:id="rId12"/>
-    <p:sldId id="259" r:id="rId13"/>
-    <p:sldId id="266" r:id="rId14"/>
-    <p:sldId id="270" r:id="rId15"/>
-    <p:sldId id="271" r:id="rId16"/>
-    <p:sldId id="299" r:id="rId17"/>
-    <p:sldId id="268" r:id="rId18"/>
-    <p:sldId id="277" r:id="rId19"/>
-    <p:sldId id="278" r:id="rId20"/>
-    <p:sldId id="279" r:id="rId21"/>
-    <p:sldId id="280" r:id="rId22"/>
-    <p:sldId id="281" r:id="rId23"/>
-    <p:sldId id="282" r:id="rId24"/>
-    <p:sldId id="283" r:id="rId25"/>
-    <p:sldId id="284" r:id="rId26"/>
-    <p:sldId id="285" r:id="rId27"/>
-    <p:sldId id="286" r:id="rId28"/>
-    <p:sldId id="287" r:id="rId29"/>
-    <p:sldId id="288" r:id="rId30"/>
-    <p:sldId id="289" r:id="rId31"/>
-    <p:sldId id="290" r:id="rId32"/>
-    <p:sldId id="291" r:id="rId33"/>
-    <p:sldId id="294" r:id="rId34"/>
-    <p:sldId id="292" r:id="rId35"/>
-    <p:sldId id="295" r:id="rId36"/>
-    <p:sldId id="296" r:id="rId37"/>
+    <p:sldId id="300" r:id="rId9"/>
+    <p:sldId id="269" r:id="rId10"/>
+    <p:sldId id="265" r:id="rId11"/>
+    <p:sldId id="258" r:id="rId12"/>
+    <p:sldId id="298" r:id="rId13"/>
+    <p:sldId id="259" r:id="rId14"/>
+    <p:sldId id="266" r:id="rId15"/>
+    <p:sldId id="270" r:id="rId16"/>
+    <p:sldId id="271" r:id="rId17"/>
+    <p:sldId id="299" r:id="rId18"/>
+    <p:sldId id="268" r:id="rId19"/>
+    <p:sldId id="277" r:id="rId20"/>
+    <p:sldId id="278" r:id="rId21"/>
+    <p:sldId id="279" r:id="rId22"/>
+    <p:sldId id="280" r:id="rId23"/>
+    <p:sldId id="281" r:id="rId24"/>
+    <p:sldId id="282" r:id="rId25"/>
+    <p:sldId id="283" r:id="rId26"/>
+    <p:sldId id="284" r:id="rId27"/>
+    <p:sldId id="285" r:id="rId28"/>
+    <p:sldId id="286" r:id="rId29"/>
+    <p:sldId id="287" r:id="rId30"/>
+    <p:sldId id="288" r:id="rId31"/>
+    <p:sldId id="289" r:id="rId32"/>
+    <p:sldId id="290" r:id="rId33"/>
+    <p:sldId id="291" r:id="rId34"/>
+    <p:sldId id="294" r:id="rId35"/>
+    <p:sldId id="292" r:id="rId36"/>
+    <p:sldId id="295" r:id="rId37"/>
+    <p:sldId id="296" r:id="rId38"/>
+    <p:sldId id="301" r:id="rId39"/>
   </p:sldIdLst>
   <p:sldSz cx="12192000" cy="6858000"/>
   <p:notesSz cx="6858000" cy="9144000"/>
@@ -3357,7 +3359,7 @@
           <a:p>
             <a:fld id="{881A9FFB-1245-4C55-B1DA-652A95BDF5D2}" type="datetimeFigureOut">
               <a:rPr lang="en-US" smtClean="0"/>
-              <a:t>8/21/2025</a:t>
+              <a:t>8/23/2025</a:t>
             </a:fld>
             <a:endParaRPr lang="en-US"/>
           </a:p>
@@ -3555,7 +3557,7 @@
           <a:p>
             <a:fld id="{881A9FFB-1245-4C55-B1DA-652A95BDF5D2}" type="datetimeFigureOut">
               <a:rPr lang="en-US" smtClean="0"/>
-              <a:t>8/21/2025</a:t>
+              <a:t>8/23/2025</a:t>
             </a:fld>
             <a:endParaRPr lang="en-US"/>
           </a:p>
@@ -3763,7 +3765,7 @@
           <a:p>
             <a:fld id="{881A9FFB-1245-4C55-B1DA-652A95BDF5D2}" type="datetimeFigureOut">
               <a:rPr lang="en-US" smtClean="0"/>
-              <a:t>8/21/2025</a:t>
+              <a:t>8/23/2025</a:t>
             </a:fld>
             <a:endParaRPr lang="en-US"/>
           </a:p>
@@ -3961,7 +3963,7 @@
           <a:p>
             <a:fld id="{881A9FFB-1245-4C55-B1DA-652A95BDF5D2}" type="datetimeFigureOut">
               <a:rPr lang="en-US" smtClean="0"/>
-              <a:t>8/21/2025</a:t>
+              <a:t>8/23/2025</a:t>
             </a:fld>
             <a:endParaRPr lang="en-US"/>
           </a:p>
@@ -4236,7 +4238,7 @@
           <a:p>
             <a:fld id="{881A9FFB-1245-4C55-B1DA-652A95BDF5D2}" type="datetimeFigureOut">
               <a:rPr lang="en-US" smtClean="0"/>
-              <a:t>8/21/2025</a:t>
+              <a:t>8/23/2025</a:t>
             </a:fld>
             <a:endParaRPr lang="en-US"/>
           </a:p>
@@ -4501,7 +4503,7 @@
           <a:p>
             <a:fld id="{881A9FFB-1245-4C55-B1DA-652A95BDF5D2}" type="datetimeFigureOut">
               <a:rPr lang="en-US" smtClean="0"/>
-              <a:t>8/21/2025</a:t>
+              <a:t>8/23/2025</a:t>
             </a:fld>
             <a:endParaRPr lang="en-US"/>
           </a:p>
@@ -4913,7 +4915,7 @@
           <a:p>
             <a:fld id="{881A9FFB-1245-4C55-B1DA-652A95BDF5D2}" type="datetimeFigureOut">
               <a:rPr lang="en-US" smtClean="0"/>
-              <a:t>8/21/2025</a:t>
+              <a:t>8/23/2025</a:t>
             </a:fld>
             <a:endParaRPr lang="en-US"/>
           </a:p>
@@ -5054,7 +5056,7 @@
           <a:p>
             <a:fld id="{881A9FFB-1245-4C55-B1DA-652A95BDF5D2}" type="datetimeFigureOut">
               <a:rPr lang="en-US" smtClean="0"/>
-              <a:t>8/21/2025</a:t>
+              <a:t>8/23/2025</a:t>
             </a:fld>
             <a:endParaRPr lang="en-US"/>
           </a:p>
@@ -5167,7 +5169,7 @@
           <a:p>
             <a:fld id="{881A9FFB-1245-4C55-B1DA-652A95BDF5D2}" type="datetimeFigureOut">
               <a:rPr lang="en-US" smtClean="0"/>
-              <a:t>8/21/2025</a:t>
+              <a:t>8/23/2025</a:t>
             </a:fld>
             <a:endParaRPr lang="en-US"/>
           </a:p>
@@ -5478,7 +5480,7 @@
           <a:p>
             <a:fld id="{881A9FFB-1245-4C55-B1DA-652A95BDF5D2}" type="datetimeFigureOut">
               <a:rPr lang="en-US" smtClean="0"/>
-              <a:t>8/21/2025</a:t>
+              <a:t>8/23/2025</a:t>
             </a:fld>
             <a:endParaRPr lang="en-US"/>
           </a:p>
@@ -5766,7 +5768,7 @@
           <a:p>
             <a:fld id="{881A9FFB-1245-4C55-B1DA-652A95BDF5D2}" type="datetimeFigureOut">
               <a:rPr lang="en-US" smtClean="0"/>
-              <a:t>8/21/2025</a:t>
+              <a:t>8/23/2025</a:t>
             </a:fld>
             <a:endParaRPr lang="en-US"/>
           </a:p>
@@ -6007,7 +6009,7 @@
           <a:p>
             <a:fld id="{881A9FFB-1245-4C55-B1DA-652A95BDF5D2}" type="datetimeFigureOut">
               <a:rPr lang="en-US" smtClean="0"/>
-              <a:t>8/21/2025</a:t>
+              <a:t>8/23/2025</a:t>
             </a:fld>
             <a:endParaRPr lang="en-US"/>
           </a:p>
@@ -6510,6 +6512,199 @@
     </p:bg>
     <p:spTree>
       <p:nvGrpSpPr>
+        <p:cNvPr id="1" name="">
+          <a:extLst>
+            <a:ext uri="{FF2B5EF4-FFF2-40B4-BE49-F238E27FC236}">
+              <a16:creationId xmlns:a16="http://schemas.microsoft.com/office/drawing/2014/main" id="{3D232A5D-56F8-3C5F-3B73-D842EDA7C685}"/>
+            </a:ext>
+          </a:extLst>
+        </p:cNvPr>
+        <p:cNvGrpSpPr/>
+        <p:nvPr/>
+      </p:nvGrpSpPr>
+      <p:grpSpPr>
+        <a:xfrm>
+          <a:off x="0" y="0"/>
+          <a:ext cx="0" cy="0"/>
+          <a:chOff x="0" y="0"/>
+          <a:chExt cx="0" cy="0"/>
+        </a:xfrm>
+      </p:grpSpPr>
+      <p:sp>
+        <p:nvSpPr>
+          <p:cNvPr id="5" name="TextBox 4">
+            <a:extLst>
+              <a:ext uri="{FF2B5EF4-FFF2-40B4-BE49-F238E27FC236}">
+                <a16:creationId xmlns:a16="http://schemas.microsoft.com/office/drawing/2014/main" id="{2A7D73B7-7C84-B547-5706-ECD193D5319B}"/>
+              </a:ext>
+            </a:extLst>
+          </p:cNvPr>
+          <p:cNvSpPr txBox="1"/>
+          <p:nvPr/>
+        </p:nvSpPr>
+        <p:spPr>
+          <a:xfrm>
+            <a:off x="3786909" y="120073"/>
+            <a:ext cx="4876800" cy="646331"/>
+          </a:xfrm>
+          <a:prstGeom prst="rect">
+            <a:avLst/>
+          </a:prstGeom>
+          <a:noFill/>
+        </p:spPr>
+        <p:txBody>
+          <a:bodyPr wrap="square" rtlCol="0">
+            <a:spAutoFit/>
+          </a:bodyPr>
+          <a:lstStyle/>
+          <a:p>
+            <a:pPr algn="ctr"/>
+            <a:r>
+              <a:rPr lang="en-US" dirty="0"/>
+              <a:t>Graphics Pipeline Total Frame Time (</a:t>
+            </a:r>
+            <a:r>
+              <a:rPr lang="en-US" dirty="0" err="1"/>
+              <a:t>spf</a:t>
+            </a:r>
+            <a:r>
+              <a:rPr lang="en-US" dirty="0"/>
+              <a:t>)</a:t>
+            </a:r>
+          </a:p>
+          <a:p>
+            <a:pPr algn="ctr"/>
+            <a:r>
+              <a:rPr lang="en-US" dirty="0"/>
+              <a:t>Polynomial Fit</a:t>
+            </a:r>
+          </a:p>
+        </p:txBody>
+      </p:sp>
+      <p:sp>
+        <p:nvSpPr>
+          <p:cNvPr id="10" name="TextBox 9">
+            <a:extLst>
+              <a:ext uri="{FF2B5EF4-FFF2-40B4-BE49-F238E27FC236}">
+                <a16:creationId xmlns:a16="http://schemas.microsoft.com/office/drawing/2014/main" id="{FCABF191-48F5-3062-97B2-C527C5C99639}"/>
+              </a:ext>
+            </a:extLst>
+          </p:cNvPr>
+          <p:cNvSpPr txBox="1"/>
+          <p:nvPr/>
+        </p:nvSpPr>
+        <p:spPr>
+          <a:xfrm>
+            <a:off x="632016" y="1297444"/>
+            <a:ext cx="7794338" cy="646331"/>
+          </a:xfrm>
+          <a:prstGeom prst="rect">
+            <a:avLst/>
+          </a:prstGeom>
+          <a:noFill/>
+        </p:spPr>
+        <p:txBody>
+          <a:bodyPr wrap="square">
+            <a:spAutoFit/>
+          </a:bodyPr>
+          <a:lstStyle/>
+          <a:p>
+            <a:r>
+              <a:rPr lang="en-US" dirty="0"/>
+              <a:t>The quadratic trendline for the graphics pipeline. A completing algorithm has a K=2.6135E-18 which is essentially zero.</a:t>
+            </a:r>
+          </a:p>
+        </p:txBody>
+      </p:sp>
+      <p:graphicFrame>
+        <p:nvGraphicFramePr>
+          <p:cNvPr id="4" name="Object 3">
+            <a:extLst>
+              <a:ext uri="{FF2B5EF4-FFF2-40B4-BE49-F238E27FC236}">
+                <a16:creationId xmlns:a16="http://schemas.microsoft.com/office/drawing/2014/main" id="{65396FB7-D597-C630-E09D-3EFF1A8E9C61}"/>
+              </a:ext>
+            </a:extLst>
+          </p:cNvPr>
+          <p:cNvGraphicFramePr>
+            <a:graphicFrameLocks noChangeAspect="1"/>
+          </p:cNvGraphicFramePr>
+          <p:nvPr>
+            <p:extLst>
+              <p:ext uri="{D42A27DB-BD31-4B8C-83A1-F6EECF244321}">
+                <p14:modId xmlns:p14="http://schemas.microsoft.com/office/powerpoint/2010/main" val="3266489428"/>
+              </p:ext>
+            </p:extLst>
+          </p:nvPr>
+        </p:nvGraphicFramePr>
+        <p:xfrm>
+          <a:off x="632016" y="2036890"/>
+          <a:ext cx="8696325" cy="3895725"/>
+        </p:xfrm>
+        <a:graphic>
+          <a:graphicData uri="http://schemas.openxmlformats.org/presentationml/2006/ole">
+            <mc:AlternateContent xmlns:mc="http://schemas.openxmlformats.org/markup-compatibility/2006">
+              <mc:Choice xmlns:v="urn:schemas-microsoft-com:vml" Requires="v">
+                <p:oleObj name="Worksheet" r:id="rId2" imgW="8696449" imgH="3895589" progId="Excel.Sheet.12">
+                  <p:link updateAutomatic="1"/>
+                </p:oleObj>
+              </mc:Choice>
+              <mc:Fallback>
+                <p:oleObj name="Worksheet" r:id="rId2" imgW="8696449" imgH="3895589" progId="Excel.Sheet.12">
+                  <p:link updateAutomatic="1"/>
+                  <p:pic>
+                    <p:nvPicPr>
+                      <p:cNvPr id="0" name=""/>
+                      <p:cNvPicPr/>
+                      <p:nvPr/>
+                    </p:nvPicPr>
+                    <p:blipFill>
+                      <a:blip r:embed="rId3"/>
+                      <a:stretch>
+                        <a:fillRect/>
+                      </a:stretch>
+                    </p:blipFill>
+                    <p:spPr>
+                      <a:xfrm>
+                        <a:off x="632016" y="2036890"/>
+                        <a:ext cx="8696325" cy="3895725"/>
+                      </a:xfrm>
+                      <a:prstGeom prst="rect">
+                        <a:avLst/>
+                      </a:prstGeom>
+                    </p:spPr>
+                  </p:pic>
+                </p:oleObj>
+              </mc:Fallback>
+            </mc:AlternateContent>
+          </a:graphicData>
+        </a:graphic>
+      </p:graphicFrame>
+    </p:spTree>
+    <p:extLst>
+      <p:ext uri="{BB962C8B-B14F-4D97-AF65-F5344CB8AC3E}">
+        <p14:creationId xmlns:p14="http://schemas.microsoft.com/office/powerpoint/2010/main" val="1532647592"/>
+      </p:ext>
+    </p:extLst>
+  </p:cSld>
+  <p:clrMapOvr>
+    <a:masterClrMapping/>
+  </p:clrMapOvr>
+</p:sld>
+</file>
+
+<file path=ppt/slides/slide11.xml><?xml version="1.0" encoding="utf-8"?>
+<p:sld xmlns:a="http://schemas.openxmlformats.org/drawingml/2006/main" xmlns:r="http://schemas.openxmlformats.org/officeDocument/2006/relationships" xmlns:p="http://schemas.openxmlformats.org/presentationml/2006/main">
+  <p:cSld>
+    <p:bg>
+      <p:bgPr>
+        <a:solidFill>
+          <a:schemeClr val="bg1"/>
+        </a:solidFill>
+        <a:effectLst/>
+      </p:bgPr>
+    </p:bg>
+    <p:spTree>
+      <p:nvGrpSpPr>
         <p:cNvPr id="1" name=""/>
         <p:cNvGrpSpPr/>
         <p:nvPr/>
@@ -6623,7 +6818,7 @@
           <p:nvPr>
             <p:extLst>
               <p:ext uri="{D42A27DB-BD31-4B8C-83A1-F6EECF244321}">
-                <p14:modId xmlns:p14="http://schemas.microsoft.com/office/powerpoint/2010/main" val="3470740777"/>
+                <p14:modId xmlns:p14="http://schemas.microsoft.com/office/powerpoint/2010/main" val="428644114"/>
               </p:ext>
             </p:extLst>
           </p:nvPr>
@@ -6684,7 +6879,7 @@
 </p:sld>
 </file>
 
-<file path=ppt/slides/slide11.xml><?xml version="1.0" encoding="utf-8"?>
+<file path=ppt/slides/slide12.xml><?xml version="1.0" encoding="utf-8"?>
 <p:sld xmlns:a="http://schemas.openxmlformats.org/drawingml/2006/main" xmlns:r="http://schemas.openxmlformats.org/officeDocument/2006/relationships" xmlns:p="http://schemas.openxmlformats.org/presentationml/2006/main">
   <p:cSld>
     <p:bg>
@@ -6816,7 +7011,7 @@
           <p:nvPr>
             <p:extLst>
               <p:ext uri="{D42A27DB-BD31-4B8C-83A1-F6EECF244321}">
-                <p14:modId xmlns:p14="http://schemas.microsoft.com/office/powerpoint/2010/main" val="937963920"/>
+                <p14:modId xmlns:p14="http://schemas.microsoft.com/office/powerpoint/2010/main" val="1360330549"/>
               </p:ext>
             </p:extLst>
           </p:nvPr>
@@ -6877,7 +7072,7 @@
 </p:sld>
 </file>
 
-<file path=ppt/slides/slide12.xml><?xml version="1.0" encoding="utf-8"?>
+<file path=ppt/slides/slide13.xml><?xml version="1.0" encoding="utf-8"?>
 <p:sld xmlns:a="http://schemas.openxmlformats.org/drawingml/2006/main" xmlns:r="http://schemas.openxmlformats.org/officeDocument/2006/relationships" xmlns:p="http://schemas.openxmlformats.org/presentationml/2006/main">
   <p:cSld>
     <p:spTree>
@@ -7000,7 +7195,7 @@
           <p:nvPr>
             <p:extLst>
               <p:ext uri="{D42A27DB-BD31-4B8C-83A1-F6EECF244321}">
-                <p14:modId xmlns:p14="http://schemas.microsoft.com/office/powerpoint/2010/main" val="1223205169"/>
+                <p14:modId xmlns:p14="http://schemas.microsoft.com/office/powerpoint/2010/main" val="3559418073"/>
               </p:ext>
             </p:extLst>
           </p:nvPr>
@@ -7061,7 +7256,7 @@
 </p:sld>
 </file>
 
-<file path=ppt/slides/slide13.xml><?xml version="1.0" encoding="utf-8"?>
+<file path=ppt/slides/slide14.xml><?xml version="1.0" encoding="utf-8"?>
 <p:sld xmlns:a="http://schemas.openxmlformats.org/drawingml/2006/main" xmlns:r="http://schemas.openxmlformats.org/officeDocument/2006/relationships" xmlns:p="http://schemas.openxmlformats.org/presentationml/2006/main">
   <p:cSld>
     <p:spTree>
@@ -7185,7 +7380,7 @@
           <p:nvPr>
             <p:extLst>
               <p:ext uri="{D42A27DB-BD31-4B8C-83A1-F6EECF244321}">
-                <p14:modId xmlns:p14="http://schemas.microsoft.com/office/powerpoint/2010/main" val="3726356067"/>
+                <p14:modId xmlns:p14="http://schemas.microsoft.com/office/powerpoint/2010/main" val="1555098937"/>
               </p:ext>
             </p:extLst>
           </p:nvPr>
@@ -7246,7 +7441,7 @@
 </p:sld>
 </file>
 
-<file path=ppt/slides/slide14.xml><?xml version="1.0" encoding="utf-8"?>
+<file path=ppt/slides/slide15.xml><?xml version="1.0" encoding="utf-8"?>
 <p:sld xmlns:a="http://schemas.openxmlformats.org/drawingml/2006/main" xmlns:r="http://schemas.openxmlformats.org/officeDocument/2006/relationships" xmlns:p="http://schemas.openxmlformats.org/presentationml/2006/main">
   <p:cSld>
     <p:spTree>
@@ -7389,7 +7584,7 @@
           <p:nvPr>
             <p:extLst>
               <p:ext uri="{D42A27DB-BD31-4B8C-83A1-F6EECF244321}">
-                <p14:modId xmlns:p14="http://schemas.microsoft.com/office/powerpoint/2010/main" val="3413944505"/>
+                <p14:modId xmlns:p14="http://schemas.microsoft.com/office/powerpoint/2010/main" val="1410548790"/>
               </p:ext>
             </p:extLst>
           </p:nvPr>
@@ -7450,7 +7645,7 @@
 </p:sld>
 </file>
 
-<file path=ppt/slides/slide15.xml><?xml version="1.0" encoding="utf-8"?>
+<file path=ppt/slides/slide16.xml><?xml version="1.0" encoding="utf-8"?>
 <p:sld xmlns:a="http://schemas.openxmlformats.org/drawingml/2006/main" xmlns:r="http://schemas.openxmlformats.org/officeDocument/2006/relationships" xmlns:p="http://schemas.openxmlformats.org/presentationml/2006/main">
   <p:cSld>
     <p:spTree>
@@ -7571,7 +7766,7 @@
           <p:nvPr>
             <p:extLst>
               <p:ext uri="{D42A27DB-BD31-4B8C-83A1-F6EECF244321}">
-                <p14:modId xmlns:p14="http://schemas.microsoft.com/office/powerpoint/2010/main" val="2682377139"/>
+                <p14:modId xmlns:p14="http://schemas.microsoft.com/office/powerpoint/2010/main" val="2878749604"/>
               </p:ext>
             </p:extLst>
           </p:nvPr>
@@ -7632,7 +7827,7 @@
 </p:sld>
 </file>
 
-<file path=ppt/slides/slide16.xml><?xml version="1.0" encoding="utf-8"?>
+<file path=ppt/slides/slide17.xml><?xml version="1.0" encoding="utf-8"?>
 <p:sld xmlns:a="http://schemas.openxmlformats.org/drawingml/2006/main" xmlns:r="http://schemas.openxmlformats.org/officeDocument/2006/relationships" xmlns:p="http://schemas.openxmlformats.org/presentationml/2006/main">
   <p:cSld>
     <p:spTree>
@@ -7769,7 +7964,7 @@
 </p:sld>
 </file>
 
-<file path=ppt/slides/slide17.xml><?xml version="1.0" encoding="utf-8"?>
+<file path=ppt/slides/slide18.xml><?xml version="1.0" encoding="utf-8"?>
 <p:sld xmlns:a="http://schemas.openxmlformats.org/drawingml/2006/main" xmlns:r="http://schemas.openxmlformats.org/officeDocument/2006/relationships" xmlns:p="http://schemas.openxmlformats.org/presentationml/2006/main">
   <p:cSld>
     <p:spTree>
@@ -7903,7 +8098,7 @@
 </p:sld>
 </file>
 
-<file path=ppt/slides/slide18.xml><?xml version="1.0" encoding="utf-8"?>
+<file path=ppt/slides/slide19.xml><?xml version="1.0" encoding="utf-8"?>
 <p:sld xmlns:a="http://schemas.openxmlformats.org/drawingml/2006/main" xmlns:r="http://schemas.openxmlformats.org/officeDocument/2006/relationships" xmlns:p="http://schemas.openxmlformats.org/presentationml/2006/main">
   <p:cSld>
     <p:spTree>
@@ -8027,7 +8222,7 @@
           <p:nvPr>
             <p:extLst>
               <p:ext uri="{D42A27DB-BD31-4B8C-83A1-F6EECF244321}">
-                <p14:modId xmlns:p14="http://schemas.microsoft.com/office/powerpoint/2010/main" val="2648792634"/>
+                <p14:modId xmlns:p14="http://schemas.microsoft.com/office/powerpoint/2010/main" val="3857155456"/>
               </p:ext>
             </p:extLst>
           </p:nvPr>
@@ -8088,7 +8283,176 @@
 </p:sld>
 </file>
 
-<file path=ppt/slides/slide19.xml><?xml version="1.0" encoding="utf-8"?>
+<file path=ppt/slides/slide2.xml><?xml version="1.0" encoding="utf-8"?>
+<p:sld xmlns:a="http://schemas.openxmlformats.org/drawingml/2006/main" xmlns:r="http://schemas.openxmlformats.org/officeDocument/2006/relationships" xmlns:p="http://schemas.openxmlformats.org/presentationml/2006/main">
+  <p:cSld>
+    <p:spTree>
+      <p:nvGrpSpPr>
+        <p:cNvPr id="1" name=""/>
+        <p:cNvGrpSpPr/>
+        <p:nvPr/>
+      </p:nvGrpSpPr>
+      <p:grpSpPr>
+        <a:xfrm>
+          <a:off x="0" y="0"/>
+          <a:ext cx="0" cy="0"/>
+          <a:chOff x="0" y="0"/>
+          <a:chExt cx="0" cy="0"/>
+        </a:xfrm>
+      </p:grpSpPr>
+      <p:sp>
+        <p:nvSpPr>
+          <p:cNvPr id="2" name="Title 1">
+            <a:extLst>
+              <a:ext uri="{FF2B5EF4-FFF2-40B4-BE49-F238E27FC236}">
+                <a16:creationId xmlns:a16="http://schemas.microsoft.com/office/drawing/2014/main" id="{A16E3FDE-8BFF-81EB-0FA4-DBD2E93446D4}"/>
+              </a:ext>
+            </a:extLst>
+          </p:cNvPr>
+          <p:cNvSpPr>
+            <a:spLocks noGrp="1"/>
+          </p:cNvSpPr>
+          <p:nvPr>
+            <p:ph type="title"/>
+          </p:nvPr>
+        </p:nvSpPr>
+        <p:spPr>
+          <a:xfrm>
+            <a:off x="518160" y="502285"/>
+            <a:ext cx="10515600" cy="1325563"/>
+          </a:xfrm>
+        </p:spPr>
+        <p:txBody>
+          <a:bodyPr/>
+          <a:lstStyle/>
+          <a:p>
+            <a:pPr algn="ctr"/>
+            <a:r>
+              <a:rPr lang="en-US" dirty="0"/>
+              <a:t>Table of Contents</a:t>
+            </a:r>
+          </a:p>
+        </p:txBody>
+      </p:sp>
+      <p:sp>
+        <p:nvSpPr>
+          <p:cNvPr id="3" name="Content Placeholder 2">
+            <a:extLst>
+              <a:ext uri="{FF2B5EF4-FFF2-40B4-BE49-F238E27FC236}">
+                <a16:creationId xmlns:a16="http://schemas.microsoft.com/office/drawing/2014/main" id="{A9367CFD-CF2D-F1EC-4D9A-FF751FA9C6E6}"/>
+              </a:ext>
+            </a:extLst>
+          </p:cNvPr>
+          <p:cNvSpPr>
+            <a:spLocks noGrp="1"/>
+          </p:cNvSpPr>
+          <p:nvPr>
+            <p:ph idx="1"/>
+          </p:nvPr>
+        </p:nvSpPr>
+        <p:spPr>
+          <a:xfrm>
+            <a:off x="2746663" y="2518353"/>
+            <a:ext cx="6698673" cy="2099830"/>
+          </a:xfrm>
+        </p:spPr>
+        <p:txBody>
+          <a:bodyPr>
+            <a:normAutofit fontScale="70000" lnSpcReduction="20000"/>
+          </a:bodyPr>
+          <a:lstStyle/>
+          <a:p>
+            <a:pPr marL="571500" indent="-571500">
+              <a:buFont typeface="+mj-lt"/>
+              <a:buAutoNum type="romanUcPeriod"/>
+            </a:pPr>
+            <a:r>
+              <a:rPr lang="en-US" dirty="0"/>
+              <a:t>Summary</a:t>
+            </a:r>
+          </a:p>
+          <a:p>
+            <a:pPr marL="571500" indent="-571500">
+              <a:buFont typeface="+mj-lt"/>
+              <a:buAutoNum type="romanUcPeriod"/>
+            </a:pPr>
+            <a:r>
+              <a:rPr lang="en-US" dirty="0"/>
+              <a:t>Graphics Pipeline Reports</a:t>
+            </a:r>
+          </a:p>
+          <a:p>
+            <a:pPr marL="571500" indent="-571500">
+              <a:buFont typeface="+mj-lt"/>
+              <a:buAutoNum type="romanUcPeriod"/>
+            </a:pPr>
+            <a:r>
+              <a:rPr lang="en-US" dirty="0"/>
+              <a:t>Compute Pipeline Reports (</a:t>
+            </a:r>
+            <a:r>
+              <a:rPr lang="en-US" dirty="0" err="1"/>
+              <a:t>tbd</a:t>
+            </a:r>
+            <a:r>
+              <a:rPr lang="en-US" dirty="0"/>
+              <a:t>)</a:t>
+            </a:r>
+          </a:p>
+          <a:p>
+            <a:pPr marL="571500" indent="-571500">
+              <a:buFont typeface="+mj-lt"/>
+              <a:buAutoNum type="romanUcPeriod"/>
+            </a:pPr>
+            <a:r>
+              <a:rPr lang="en-US" dirty="0"/>
+              <a:t>Total Time Reports (</a:t>
+            </a:r>
+            <a:r>
+              <a:rPr lang="en-US" dirty="0" err="1"/>
+              <a:t>tbd</a:t>
+            </a:r>
+            <a:r>
+              <a:rPr lang="en-US" dirty="0"/>
+              <a:t>)</a:t>
+            </a:r>
+          </a:p>
+          <a:p>
+            <a:pPr marL="571500" indent="-571500">
+              <a:buFont typeface="+mj-lt"/>
+              <a:buAutoNum type="romanUcPeriod"/>
+            </a:pPr>
+            <a:r>
+              <a:rPr lang="en-US" dirty="0"/>
+              <a:t>All Plots</a:t>
+            </a:r>
+          </a:p>
+          <a:p>
+            <a:pPr marL="571500" indent="-571500">
+              <a:buFont typeface="+mj-lt"/>
+              <a:buAutoNum type="romanUcPeriod"/>
+            </a:pPr>
+            <a:r>
+              <a:rPr lang="en-US" dirty="0"/>
+              <a:t>Q-Q Plot </a:t>
+            </a:r>
+          </a:p>
+        </p:txBody>
+      </p:sp>
+    </p:spTree>
+    <p:extLst>
+      <p:ext uri="{BB962C8B-B14F-4D97-AF65-F5344CB8AC3E}">
+        <p14:creationId xmlns:p14="http://schemas.microsoft.com/office/powerpoint/2010/main" val="2714718743"/>
+      </p:ext>
+    </p:extLst>
+  </p:cSld>
+  <p:clrMapOvr>
+    <a:masterClrMapping/>
+  </p:clrMapOvr>
+</p:sld>
+</file>
+
+<file path=ppt/slides/slide20.xml><?xml version="1.0" encoding="utf-8"?>
 <p:sld xmlns:a="http://schemas.openxmlformats.org/drawingml/2006/main" xmlns:r="http://schemas.openxmlformats.org/officeDocument/2006/relationships" xmlns:p="http://schemas.openxmlformats.org/presentationml/2006/main">
   <p:cSld>
     <p:spTree>
@@ -8212,7 +8576,7 @@
           <p:nvPr>
             <p:extLst>
               <p:ext uri="{D42A27DB-BD31-4B8C-83A1-F6EECF244321}">
-                <p14:modId xmlns:p14="http://schemas.microsoft.com/office/powerpoint/2010/main" val="266919745"/>
+                <p14:modId xmlns:p14="http://schemas.microsoft.com/office/powerpoint/2010/main" val="1417912087"/>
               </p:ext>
             </p:extLst>
           </p:nvPr>
@@ -8273,176 +8637,7 @@
 </p:sld>
 </file>
 
-<file path=ppt/slides/slide2.xml><?xml version="1.0" encoding="utf-8"?>
-<p:sld xmlns:a="http://schemas.openxmlformats.org/drawingml/2006/main" xmlns:r="http://schemas.openxmlformats.org/officeDocument/2006/relationships" xmlns:p="http://schemas.openxmlformats.org/presentationml/2006/main">
-  <p:cSld>
-    <p:spTree>
-      <p:nvGrpSpPr>
-        <p:cNvPr id="1" name=""/>
-        <p:cNvGrpSpPr/>
-        <p:nvPr/>
-      </p:nvGrpSpPr>
-      <p:grpSpPr>
-        <a:xfrm>
-          <a:off x="0" y="0"/>
-          <a:ext cx="0" cy="0"/>
-          <a:chOff x="0" y="0"/>
-          <a:chExt cx="0" cy="0"/>
-        </a:xfrm>
-      </p:grpSpPr>
-      <p:sp>
-        <p:nvSpPr>
-          <p:cNvPr id="2" name="Title 1">
-            <a:extLst>
-              <a:ext uri="{FF2B5EF4-FFF2-40B4-BE49-F238E27FC236}">
-                <a16:creationId xmlns:a16="http://schemas.microsoft.com/office/drawing/2014/main" id="{A16E3FDE-8BFF-81EB-0FA4-DBD2E93446D4}"/>
-              </a:ext>
-            </a:extLst>
-          </p:cNvPr>
-          <p:cNvSpPr>
-            <a:spLocks noGrp="1"/>
-          </p:cNvSpPr>
-          <p:nvPr>
-            <p:ph type="title"/>
-          </p:nvPr>
-        </p:nvSpPr>
-        <p:spPr>
-          <a:xfrm>
-            <a:off x="518160" y="502285"/>
-            <a:ext cx="10515600" cy="1325563"/>
-          </a:xfrm>
-        </p:spPr>
-        <p:txBody>
-          <a:bodyPr/>
-          <a:lstStyle/>
-          <a:p>
-            <a:pPr algn="ctr"/>
-            <a:r>
-              <a:rPr lang="en-US" dirty="0"/>
-              <a:t>Table of Contents</a:t>
-            </a:r>
-          </a:p>
-        </p:txBody>
-      </p:sp>
-      <p:sp>
-        <p:nvSpPr>
-          <p:cNvPr id="3" name="Content Placeholder 2">
-            <a:extLst>
-              <a:ext uri="{FF2B5EF4-FFF2-40B4-BE49-F238E27FC236}">
-                <a16:creationId xmlns:a16="http://schemas.microsoft.com/office/drawing/2014/main" id="{A9367CFD-CF2D-F1EC-4D9A-FF751FA9C6E6}"/>
-              </a:ext>
-            </a:extLst>
-          </p:cNvPr>
-          <p:cNvSpPr>
-            <a:spLocks noGrp="1"/>
-          </p:cNvSpPr>
-          <p:nvPr>
-            <p:ph idx="1"/>
-          </p:nvPr>
-        </p:nvSpPr>
-        <p:spPr>
-          <a:xfrm>
-            <a:off x="2746663" y="2518353"/>
-            <a:ext cx="6698673" cy="2099830"/>
-          </a:xfrm>
-        </p:spPr>
-        <p:txBody>
-          <a:bodyPr>
-            <a:normAutofit fontScale="70000" lnSpcReduction="20000"/>
-          </a:bodyPr>
-          <a:lstStyle/>
-          <a:p>
-            <a:pPr marL="571500" indent="-571500">
-              <a:buFont typeface="+mj-lt"/>
-              <a:buAutoNum type="romanUcPeriod"/>
-            </a:pPr>
-            <a:r>
-              <a:rPr lang="en-US" dirty="0"/>
-              <a:t>Summary</a:t>
-            </a:r>
-          </a:p>
-          <a:p>
-            <a:pPr marL="571500" indent="-571500">
-              <a:buFont typeface="+mj-lt"/>
-              <a:buAutoNum type="romanUcPeriod"/>
-            </a:pPr>
-            <a:r>
-              <a:rPr lang="en-US" dirty="0"/>
-              <a:t>Graphics Pipeline Reports</a:t>
-            </a:r>
-          </a:p>
-          <a:p>
-            <a:pPr marL="571500" indent="-571500">
-              <a:buFont typeface="+mj-lt"/>
-              <a:buAutoNum type="romanUcPeriod"/>
-            </a:pPr>
-            <a:r>
-              <a:rPr lang="en-US" dirty="0"/>
-              <a:t>Compute Pipeline Reports (</a:t>
-            </a:r>
-            <a:r>
-              <a:rPr lang="en-US" dirty="0" err="1"/>
-              <a:t>tbd</a:t>
-            </a:r>
-            <a:r>
-              <a:rPr lang="en-US" dirty="0"/>
-              <a:t>)</a:t>
-            </a:r>
-          </a:p>
-          <a:p>
-            <a:pPr marL="571500" indent="-571500">
-              <a:buFont typeface="+mj-lt"/>
-              <a:buAutoNum type="romanUcPeriod"/>
-            </a:pPr>
-            <a:r>
-              <a:rPr lang="en-US" dirty="0"/>
-              <a:t>Total Time Reports (</a:t>
-            </a:r>
-            <a:r>
-              <a:rPr lang="en-US" dirty="0" err="1"/>
-              <a:t>tbd</a:t>
-            </a:r>
-            <a:r>
-              <a:rPr lang="en-US" dirty="0"/>
-              <a:t>)</a:t>
-            </a:r>
-          </a:p>
-          <a:p>
-            <a:pPr marL="571500" indent="-571500">
-              <a:buFont typeface="+mj-lt"/>
-              <a:buAutoNum type="romanUcPeriod"/>
-            </a:pPr>
-            <a:r>
-              <a:rPr lang="en-US" dirty="0"/>
-              <a:t>All Plots</a:t>
-            </a:r>
-          </a:p>
-          <a:p>
-            <a:pPr marL="571500" indent="-571500">
-              <a:buFont typeface="+mj-lt"/>
-              <a:buAutoNum type="romanUcPeriod"/>
-            </a:pPr>
-            <a:r>
-              <a:rPr lang="en-US" dirty="0"/>
-              <a:t>Q-Q Plot </a:t>
-            </a:r>
-          </a:p>
-        </p:txBody>
-      </p:sp>
-    </p:spTree>
-    <p:extLst>
-      <p:ext uri="{BB962C8B-B14F-4D97-AF65-F5344CB8AC3E}">
-        <p14:creationId xmlns:p14="http://schemas.microsoft.com/office/powerpoint/2010/main" val="2714718743"/>
-      </p:ext>
-    </p:extLst>
-  </p:cSld>
-  <p:clrMapOvr>
-    <a:masterClrMapping/>
-  </p:clrMapOvr>
-</p:sld>
-</file>
-
-<file path=ppt/slides/slide20.xml><?xml version="1.0" encoding="utf-8"?>
+<file path=ppt/slides/slide21.xml><?xml version="1.0" encoding="utf-8"?>
 <p:sld xmlns:a="http://schemas.openxmlformats.org/drawingml/2006/main" xmlns:r="http://schemas.openxmlformats.org/officeDocument/2006/relationships" xmlns:p="http://schemas.openxmlformats.org/presentationml/2006/main">
   <p:cSld>
     <p:spTree>
@@ -8571,7 +8766,7 @@
           <p:nvPr>
             <p:extLst>
               <p:ext uri="{D42A27DB-BD31-4B8C-83A1-F6EECF244321}">
-                <p14:modId xmlns:p14="http://schemas.microsoft.com/office/powerpoint/2010/main" val="3505492607"/>
+                <p14:modId xmlns:p14="http://schemas.microsoft.com/office/powerpoint/2010/main" val="566682453"/>
               </p:ext>
             </p:extLst>
           </p:nvPr>
@@ -8632,7 +8827,7 @@
 </p:sld>
 </file>
 
-<file path=ppt/slides/slide21.xml><?xml version="1.0" encoding="utf-8"?>
+<file path=ppt/slides/slide22.xml><?xml version="1.0" encoding="utf-8"?>
 <p:sld xmlns:a="http://schemas.openxmlformats.org/drawingml/2006/main" xmlns:r="http://schemas.openxmlformats.org/officeDocument/2006/relationships" xmlns:p="http://schemas.openxmlformats.org/presentationml/2006/main">
   <p:cSld>
     <p:spTree>
@@ -8756,7 +8951,7 @@
           <p:nvPr>
             <p:extLst>
               <p:ext uri="{D42A27DB-BD31-4B8C-83A1-F6EECF244321}">
-                <p14:modId xmlns:p14="http://schemas.microsoft.com/office/powerpoint/2010/main" val="2057054474"/>
+                <p14:modId xmlns:p14="http://schemas.microsoft.com/office/powerpoint/2010/main" val="422435238"/>
               </p:ext>
             </p:extLst>
           </p:nvPr>
@@ -8817,7 +9012,7 @@
 </p:sld>
 </file>
 
-<file path=ppt/slides/slide22.xml><?xml version="1.0" encoding="utf-8"?>
+<file path=ppt/slides/slide23.xml><?xml version="1.0" encoding="utf-8"?>
 <p:sld xmlns:a="http://schemas.openxmlformats.org/drawingml/2006/main" xmlns:r="http://schemas.openxmlformats.org/officeDocument/2006/relationships" xmlns:p="http://schemas.openxmlformats.org/presentationml/2006/main">
   <p:cSld>
     <p:spTree>
@@ -8960,7 +9155,7 @@
           <p:nvPr>
             <p:extLst>
               <p:ext uri="{D42A27DB-BD31-4B8C-83A1-F6EECF244321}">
-                <p14:modId xmlns:p14="http://schemas.microsoft.com/office/powerpoint/2010/main" val="3122158083"/>
+                <p14:modId xmlns:p14="http://schemas.microsoft.com/office/powerpoint/2010/main" val="2786192993"/>
               </p:ext>
             </p:extLst>
           </p:nvPr>
@@ -9021,7 +9216,7 @@
 </p:sld>
 </file>
 
-<file path=ppt/slides/slide23.xml><?xml version="1.0" encoding="utf-8"?>
+<file path=ppt/slides/slide24.xml><?xml version="1.0" encoding="utf-8"?>
 <p:sld xmlns:a="http://schemas.openxmlformats.org/drawingml/2006/main" xmlns:r="http://schemas.openxmlformats.org/officeDocument/2006/relationships" xmlns:p="http://schemas.openxmlformats.org/presentationml/2006/main">
   <p:cSld>
     <p:spTree>
@@ -9142,7 +9337,7 @@
           <p:nvPr>
             <p:extLst>
               <p:ext uri="{D42A27DB-BD31-4B8C-83A1-F6EECF244321}">
-                <p14:modId xmlns:p14="http://schemas.microsoft.com/office/powerpoint/2010/main" val="435751767"/>
+                <p14:modId xmlns:p14="http://schemas.microsoft.com/office/powerpoint/2010/main" val="1530933734"/>
               </p:ext>
             </p:extLst>
           </p:nvPr>
@@ -9203,7 +9398,7 @@
 </p:sld>
 </file>
 
-<file path=ppt/slides/slide24.xml><?xml version="1.0" encoding="utf-8"?>
+<file path=ppt/slides/slide25.xml><?xml version="1.0" encoding="utf-8"?>
 <p:sld xmlns:a="http://schemas.openxmlformats.org/drawingml/2006/main" xmlns:r="http://schemas.openxmlformats.org/officeDocument/2006/relationships" xmlns:p="http://schemas.openxmlformats.org/presentationml/2006/main">
   <p:cSld>
     <p:spTree>
@@ -9340,7 +9535,7 @@
 </p:sld>
 </file>
 
-<file path=ppt/slides/slide25.xml><?xml version="1.0" encoding="utf-8"?>
+<file path=ppt/slides/slide26.xml><?xml version="1.0" encoding="utf-8"?>
 <p:sld xmlns:a="http://schemas.openxmlformats.org/drawingml/2006/main" xmlns:r="http://schemas.openxmlformats.org/officeDocument/2006/relationships" xmlns:p="http://schemas.openxmlformats.org/presentationml/2006/main">
   <p:cSld>
     <p:spTree>
@@ -9464,7 +9659,7 @@
           <p:nvPr>
             <p:extLst>
               <p:ext uri="{D42A27DB-BD31-4B8C-83A1-F6EECF244321}">
-                <p14:modId xmlns:p14="http://schemas.microsoft.com/office/powerpoint/2010/main" val="2399105898"/>
+                <p14:modId xmlns:p14="http://schemas.microsoft.com/office/powerpoint/2010/main" val="3256687165"/>
               </p:ext>
             </p:extLst>
           </p:nvPr>
@@ -9525,7 +9720,7 @@
 </p:sld>
 </file>
 
-<file path=ppt/slides/slide26.xml><?xml version="1.0" encoding="utf-8"?>
+<file path=ppt/slides/slide27.xml><?xml version="1.0" encoding="utf-8"?>
 <p:sld xmlns:a="http://schemas.openxmlformats.org/drawingml/2006/main" xmlns:r="http://schemas.openxmlformats.org/officeDocument/2006/relationships" xmlns:p="http://schemas.openxmlformats.org/presentationml/2006/main">
   <p:cSld>
     <p:spTree>
@@ -9649,7 +9844,7 @@
           <p:nvPr>
             <p:extLst>
               <p:ext uri="{D42A27DB-BD31-4B8C-83A1-F6EECF244321}">
-                <p14:modId xmlns:p14="http://schemas.microsoft.com/office/powerpoint/2010/main" val="2311449194"/>
+                <p14:modId xmlns:p14="http://schemas.microsoft.com/office/powerpoint/2010/main" val="3737290989"/>
               </p:ext>
             </p:extLst>
           </p:nvPr>
@@ -9710,7 +9905,7 @@
 </p:sld>
 </file>
 
-<file path=ppt/slides/slide27.xml><?xml version="1.0" encoding="utf-8"?>
+<file path=ppt/slides/slide28.xml><?xml version="1.0" encoding="utf-8"?>
 <p:sld xmlns:a="http://schemas.openxmlformats.org/drawingml/2006/main" xmlns:r="http://schemas.openxmlformats.org/officeDocument/2006/relationships" xmlns:p="http://schemas.openxmlformats.org/presentationml/2006/main">
   <p:cSld>
     <p:spTree>
@@ -9839,7 +10034,7 @@
           <p:nvPr>
             <p:extLst>
               <p:ext uri="{D42A27DB-BD31-4B8C-83A1-F6EECF244321}">
-                <p14:modId xmlns:p14="http://schemas.microsoft.com/office/powerpoint/2010/main" val="1898023722"/>
+                <p14:modId xmlns:p14="http://schemas.microsoft.com/office/powerpoint/2010/main" val="911618154"/>
               </p:ext>
             </p:extLst>
           </p:nvPr>
@@ -9900,7 +10095,7 @@
 </p:sld>
 </file>
 
-<file path=ppt/slides/slide28.xml><?xml version="1.0" encoding="utf-8"?>
+<file path=ppt/slides/slide29.xml><?xml version="1.0" encoding="utf-8"?>
 <p:sld xmlns:a="http://schemas.openxmlformats.org/drawingml/2006/main" xmlns:r="http://schemas.openxmlformats.org/officeDocument/2006/relationships" xmlns:p="http://schemas.openxmlformats.org/presentationml/2006/main">
   <p:cSld>
     <p:spTree>
@@ -10024,7 +10219,7 @@
           <p:nvPr>
             <p:extLst>
               <p:ext uri="{D42A27DB-BD31-4B8C-83A1-F6EECF244321}">
-                <p14:modId xmlns:p14="http://schemas.microsoft.com/office/powerpoint/2010/main" val="1485651941"/>
+                <p14:modId xmlns:p14="http://schemas.microsoft.com/office/powerpoint/2010/main" val="1665269753"/>
               </p:ext>
             </p:extLst>
           </p:nvPr>
@@ -10085,7 +10280,245 @@
 </p:sld>
 </file>
 
-<file path=ppt/slides/slide29.xml><?xml version="1.0" encoding="utf-8"?>
+<file path=ppt/slides/slide3.xml><?xml version="1.0" encoding="utf-8"?>
+<p:sld xmlns:a="http://schemas.openxmlformats.org/drawingml/2006/main" xmlns:r="http://schemas.openxmlformats.org/officeDocument/2006/relationships" xmlns:p="http://schemas.openxmlformats.org/presentationml/2006/main">
+  <p:cSld>
+    <p:spTree>
+      <p:nvGrpSpPr>
+        <p:cNvPr id="1" name=""/>
+        <p:cNvGrpSpPr/>
+        <p:nvPr/>
+      </p:nvGrpSpPr>
+      <p:grpSpPr>
+        <a:xfrm>
+          <a:off x="0" y="0"/>
+          <a:ext cx="0" cy="0"/>
+          <a:chOff x="0" y="0"/>
+          <a:chExt cx="0" cy="0"/>
+        </a:xfrm>
+      </p:grpSpPr>
+      <p:sp>
+        <p:nvSpPr>
+          <p:cNvPr id="2" name="TextBox 1">
+            <a:extLst>
+              <a:ext uri="{FF2B5EF4-FFF2-40B4-BE49-F238E27FC236}">
+                <a16:creationId xmlns:a16="http://schemas.microsoft.com/office/drawing/2014/main" id="{32AAE6C9-BD54-B0C3-2E49-0AC7A10A68D2}"/>
+              </a:ext>
+            </a:extLst>
+          </p:cNvPr>
+          <p:cNvSpPr txBox="1"/>
+          <p:nvPr/>
+        </p:nvSpPr>
+        <p:spPr>
+          <a:xfrm>
+            <a:off x="3786909" y="120073"/>
+            <a:ext cx="4876800" cy="646331"/>
+          </a:xfrm>
+          <a:prstGeom prst="rect">
+            <a:avLst/>
+          </a:prstGeom>
+          <a:noFill/>
+        </p:spPr>
+        <p:txBody>
+          <a:bodyPr wrap="square" rtlCol="0">
+            <a:spAutoFit/>
+          </a:bodyPr>
+          <a:lstStyle/>
+          <a:p>
+            <a:pPr algn="ctr"/>
+            <a:r>
+              <a:rPr lang="en-US" dirty="0"/>
+              <a:t>Performance Analysis </a:t>
+            </a:r>
+          </a:p>
+          <a:p>
+            <a:pPr algn="ctr"/>
+            <a:r>
+              <a:rPr lang="en-US" dirty="0"/>
+              <a:t>Summary of interpretation</a:t>
+            </a:r>
+          </a:p>
+        </p:txBody>
+      </p:sp>
+      <p:sp>
+        <p:nvSpPr>
+          <p:cNvPr id="3" name="TextBox 2">
+            <a:extLst>
+              <a:ext uri="{FF2B5EF4-FFF2-40B4-BE49-F238E27FC236}">
+                <a16:creationId xmlns:a16="http://schemas.microsoft.com/office/drawing/2014/main" id="{A1EE279A-4CC2-771C-7ADA-93EA6E17BF09}"/>
+              </a:ext>
+            </a:extLst>
+          </p:cNvPr>
+          <p:cNvSpPr txBox="1"/>
+          <p:nvPr/>
+        </p:nvSpPr>
+        <p:spPr>
+          <a:xfrm>
+            <a:off x="591127" y="2289484"/>
+            <a:ext cx="11166764" cy="3139321"/>
+          </a:xfrm>
+          <a:prstGeom prst="rect">
+            <a:avLst/>
+          </a:prstGeom>
+          <a:noFill/>
+        </p:spPr>
+        <p:txBody>
+          <a:bodyPr wrap="square" rtlCol="0">
+            <a:spAutoFit/>
+          </a:bodyPr>
+          <a:lstStyle/>
+          <a:p>
+            <a:pPr marL="342900" indent="-342900">
+              <a:buFont typeface="+mj-lt"/>
+              <a:buAutoNum type="arabicPeriod"/>
+            </a:pPr>
+            <a:endParaRPr lang="en-US" dirty="0"/>
+          </a:p>
+          <a:p>
+            <a:pPr marL="342900" indent="-342900">
+              <a:buFont typeface="+mj-lt"/>
+              <a:buAutoNum type="arabicPeriod"/>
+            </a:pPr>
+            <a:r>
+              <a:rPr lang="en-US" dirty="0">
+                <a:solidFill>
+                  <a:schemeClr val="accent1">
+                    <a:lumMod val="75000"/>
+                  </a:schemeClr>
+                </a:solidFill>
+              </a:rPr>
+              <a:t>Data interpolation is for comparative analysis. Specifically, how the algorithm compares to a generally equivalent quadratic or linear time algorithm with the same base cost.</a:t>
+            </a:r>
+          </a:p>
+          <a:p>
+            <a:pPr marL="342900" indent="-342900">
+              <a:buFont typeface="+mj-lt"/>
+              <a:buAutoNum type="arabicPeriod"/>
+            </a:pPr>
+            <a:endParaRPr lang="en-US" dirty="0">
+              <a:solidFill>
+                <a:schemeClr val="accent1">
+                  <a:lumMod val="75000"/>
+                </a:schemeClr>
+              </a:solidFill>
+            </a:endParaRPr>
+          </a:p>
+          <a:p>
+            <a:pPr marL="342900" indent="-342900">
+              <a:buFont typeface="+mj-lt"/>
+              <a:buAutoNum type="arabicPeriod"/>
+            </a:pPr>
+            <a:r>
+              <a:rPr lang="en-US" dirty="0">
+                <a:solidFill>
+                  <a:schemeClr val="accent1">
+                    <a:lumMod val="75000"/>
+                  </a:schemeClr>
+                </a:solidFill>
+              </a:rPr>
+              <a:t>The data is based on the maximum frames per second (minimum seconds per frame) which makes  smooth data difficult.</a:t>
+            </a:r>
+          </a:p>
+          <a:p>
+            <a:pPr marL="342900" indent="-342900">
+              <a:buFont typeface="+mj-lt"/>
+              <a:buAutoNum type="arabicPeriod"/>
+            </a:pPr>
+            <a:endParaRPr lang="en-US" dirty="0">
+              <a:solidFill>
+                <a:schemeClr val="accent1">
+                  <a:lumMod val="75000"/>
+                </a:schemeClr>
+              </a:solidFill>
+            </a:endParaRPr>
+          </a:p>
+          <a:p>
+            <a:pPr marL="342900" indent="-342900">
+              <a:buFont typeface="+mj-lt"/>
+              <a:buAutoNum type="arabicPeriod"/>
+            </a:pPr>
+            <a:r>
+              <a:rPr lang="en-US" dirty="0">
+                <a:solidFill>
+                  <a:schemeClr val="accent1">
+                    <a:lumMod val="75000"/>
+                  </a:schemeClr>
+                </a:solidFill>
+              </a:rPr>
+              <a:t>It is probably not possible to get an exact data fit for the frame times because the GPU makes decisions based on the commands, configuration, size of the data, and thermal condition. </a:t>
+            </a:r>
+          </a:p>
+          <a:p>
+            <a:pPr marL="342900" indent="-342900">
+              <a:buFont typeface="+mj-lt"/>
+              <a:buAutoNum type="arabicPeriod"/>
+            </a:pPr>
+            <a:endParaRPr lang="en-US" dirty="0">
+              <a:solidFill>
+                <a:schemeClr val="accent1">
+                  <a:lumMod val="75000"/>
+                </a:schemeClr>
+              </a:solidFill>
+            </a:endParaRPr>
+          </a:p>
+          <a:p>
+            <a:pPr marL="342900" indent="-342900">
+              <a:buFont typeface="+mj-lt"/>
+              <a:buAutoNum type="arabicPeriod"/>
+            </a:pPr>
+            <a:endParaRPr lang="en-US" dirty="0"/>
+          </a:p>
+        </p:txBody>
+      </p:sp>
+      <p:sp>
+        <p:nvSpPr>
+          <p:cNvPr id="4" name="TextBox 3">
+            <a:extLst>
+              <a:ext uri="{FF2B5EF4-FFF2-40B4-BE49-F238E27FC236}">
+                <a16:creationId xmlns:a16="http://schemas.microsoft.com/office/drawing/2014/main" id="{79FD8071-CBEA-B435-01D4-B24C652A4C62}"/>
+              </a:ext>
+            </a:extLst>
+          </p:cNvPr>
+          <p:cNvSpPr txBox="1"/>
+          <p:nvPr/>
+        </p:nvSpPr>
+        <p:spPr>
+          <a:xfrm>
+            <a:off x="706582" y="1066279"/>
+            <a:ext cx="11051309" cy="923330"/>
+          </a:xfrm>
+          <a:prstGeom prst="rect">
+            <a:avLst/>
+          </a:prstGeom>
+          <a:noFill/>
+        </p:spPr>
+        <p:txBody>
+          <a:bodyPr wrap="square" rtlCol="0">
+            <a:spAutoFit/>
+          </a:bodyPr>
+          <a:lstStyle/>
+          <a:p>
+            <a:r>
+              <a:rPr lang="en-US" b="1" i="1" dirty="0"/>
+              <a:t>The data being analyzed  is the time to detect collisions while the number of particles and collisions grow. The collisions are always half of the number of particles so that they grow linearly with the number of particles.</a:t>
+            </a:r>
+          </a:p>
+        </p:txBody>
+      </p:sp>
+    </p:spTree>
+    <p:extLst>
+      <p:ext uri="{BB962C8B-B14F-4D97-AF65-F5344CB8AC3E}">
+        <p14:creationId xmlns:p14="http://schemas.microsoft.com/office/powerpoint/2010/main" val="1785903513"/>
+      </p:ext>
+    </p:extLst>
+  </p:cSld>
+  <p:clrMapOvr>
+    <a:masterClrMapping/>
+  </p:clrMapOvr>
+</p:sld>
+</file>
+
+<file path=ppt/slides/slide30.xml><?xml version="1.0" encoding="utf-8"?>
 <p:sld xmlns:a="http://schemas.openxmlformats.org/drawingml/2006/main" xmlns:r="http://schemas.openxmlformats.org/officeDocument/2006/relationships" xmlns:p="http://schemas.openxmlformats.org/presentationml/2006/main">
   <p:cSld>
     <p:spTree>
@@ -10289,209 +10722,7 @@
 </p:sld>
 </file>
 
-<file path=ppt/slides/slide3.xml><?xml version="1.0" encoding="utf-8"?>
-<p:sld xmlns:a="http://schemas.openxmlformats.org/drawingml/2006/main" xmlns:r="http://schemas.openxmlformats.org/officeDocument/2006/relationships" xmlns:p="http://schemas.openxmlformats.org/presentationml/2006/main">
-  <p:cSld>
-    <p:spTree>
-      <p:nvGrpSpPr>
-        <p:cNvPr id="1" name=""/>
-        <p:cNvGrpSpPr/>
-        <p:nvPr/>
-      </p:nvGrpSpPr>
-      <p:grpSpPr>
-        <a:xfrm>
-          <a:off x="0" y="0"/>
-          <a:ext cx="0" cy="0"/>
-          <a:chOff x="0" y="0"/>
-          <a:chExt cx="0" cy="0"/>
-        </a:xfrm>
-      </p:grpSpPr>
-      <p:sp>
-        <p:nvSpPr>
-          <p:cNvPr id="2" name="TextBox 1">
-            <a:extLst>
-              <a:ext uri="{FF2B5EF4-FFF2-40B4-BE49-F238E27FC236}">
-                <a16:creationId xmlns:a16="http://schemas.microsoft.com/office/drawing/2014/main" id="{32AAE6C9-BD54-B0C3-2E49-0AC7A10A68D2}"/>
-              </a:ext>
-            </a:extLst>
-          </p:cNvPr>
-          <p:cNvSpPr txBox="1"/>
-          <p:nvPr/>
-        </p:nvSpPr>
-        <p:spPr>
-          <a:xfrm>
-            <a:off x="3786909" y="120073"/>
-            <a:ext cx="4876800" cy="646331"/>
-          </a:xfrm>
-          <a:prstGeom prst="rect">
-            <a:avLst/>
-          </a:prstGeom>
-          <a:noFill/>
-        </p:spPr>
-        <p:txBody>
-          <a:bodyPr wrap="square" rtlCol="0">
-            <a:spAutoFit/>
-          </a:bodyPr>
-          <a:lstStyle/>
-          <a:p>
-            <a:pPr algn="ctr"/>
-            <a:r>
-              <a:rPr lang="en-US" dirty="0"/>
-              <a:t>Performance Analysis </a:t>
-            </a:r>
-          </a:p>
-          <a:p>
-            <a:pPr algn="ctr"/>
-            <a:r>
-              <a:rPr lang="en-US" dirty="0"/>
-              <a:t>Summary of interpretation</a:t>
-            </a:r>
-          </a:p>
-        </p:txBody>
-      </p:sp>
-      <p:sp>
-        <p:nvSpPr>
-          <p:cNvPr id="3" name="TextBox 2">
-            <a:extLst>
-              <a:ext uri="{FF2B5EF4-FFF2-40B4-BE49-F238E27FC236}">
-                <a16:creationId xmlns:a16="http://schemas.microsoft.com/office/drawing/2014/main" id="{A1EE279A-4CC2-771C-7ADA-93EA6E17BF09}"/>
-              </a:ext>
-            </a:extLst>
-          </p:cNvPr>
-          <p:cNvSpPr txBox="1"/>
-          <p:nvPr/>
-        </p:nvSpPr>
-        <p:spPr>
-          <a:xfrm>
-            <a:off x="591127" y="2289484"/>
-            <a:ext cx="11166764" cy="3416320"/>
-          </a:xfrm>
-          <a:prstGeom prst="rect">
-            <a:avLst/>
-          </a:prstGeom>
-          <a:noFill/>
-        </p:spPr>
-        <p:txBody>
-          <a:bodyPr wrap="square" rtlCol="0">
-            <a:spAutoFit/>
-          </a:bodyPr>
-          <a:lstStyle/>
-          <a:p>
-            <a:pPr marL="342900" indent="-342900">
-              <a:buFont typeface="+mj-lt"/>
-              <a:buAutoNum type="arabicPeriod"/>
-            </a:pPr>
-            <a:endParaRPr lang="en-US" dirty="0"/>
-          </a:p>
-          <a:p>
-            <a:pPr marL="342900" indent="-342900">
-              <a:buFont typeface="+mj-lt"/>
-              <a:buAutoNum type="arabicPeriod"/>
-            </a:pPr>
-            <a:r>
-              <a:rPr lang="en-US" dirty="0"/>
-              <a:t>Data interpolation is for comparative analysis. Specifically, how the algorithm compares to a generally equivalent quadratic or linear time algorithm with the same base cost.</a:t>
-            </a:r>
-          </a:p>
-          <a:p>
-            <a:pPr marL="342900" indent="-342900">
-              <a:buFont typeface="+mj-lt"/>
-              <a:buAutoNum type="arabicPeriod"/>
-            </a:pPr>
-            <a:endParaRPr lang="en-US" dirty="0"/>
-          </a:p>
-          <a:p>
-            <a:pPr marL="342900" indent="-342900">
-              <a:buFont typeface="+mj-lt"/>
-              <a:buAutoNum type="arabicPeriod"/>
-            </a:pPr>
-            <a:r>
-              <a:rPr lang="en-US" dirty="0"/>
-              <a:t>The data is based on the maximum frames per second (minimum seconds per frame) which complicates recording of smooth data.</a:t>
-            </a:r>
-          </a:p>
-          <a:p>
-            <a:pPr marL="342900" indent="-342900">
-              <a:buFont typeface="+mj-lt"/>
-              <a:buAutoNum type="arabicPeriod"/>
-            </a:pPr>
-            <a:endParaRPr lang="en-US" dirty="0"/>
-          </a:p>
-          <a:p>
-            <a:pPr marL="342900" indent="-342900">
-              <a:buFont typeface="+mj-lt"/>
-              <a:buAutoNum type="arabicPeriod"/>
-            </a:pPr>
-            <a:r>
-              <a:rPr lang="en-US" dirty="0"/>
-              <a:t>It is probably not possible to get an exact data fit for the frame times because the GPU makes decisions based on the commands, configuration, size of the data, and thermal condition. Quadratic and linear residuals and QQ plot show a non-normal distribution of residuals.  </a:t>
-            </a:r>
-          </a:p>
-          <a:p>
-            <a:pPr marL="342900" indent="-342900">
-              <a:buFont typeface="+mj-lt"/>
-              <a:buAutoNum type="arabicPeriod"/>
-            </a:pPr>
-            <a:endParaRPr lang="en-US" dirty="0"/>
-          </a:p>
-          <a:p>
-            <a:pPr marL="342900" indent="-342900">
-              <a:buFont typeface="+mj-lt"/>
-              <a:buAutoNum type="arabicPeriod"/>
-            </a:pPr>
-            <a:endParaRPr lang="en-US" dirty="0"/>
-          </a:p>
-        </p:txBody>
-      </p:sp>
-      <p:sp>
-        <p:nvSpPr>
-          <p:cNvPr id="4" name="TextBox 3">
-            <a:extLst>
-              <a:ext uri="{FF2B5EF4-FFF2-40B4-BE49-F238E27FC236}">
-                <a16:creationId xmlns:a16="http://schemas.microsoft.com/office/drawing/2014/main" id="{79FD8071-CBEA-B435-01D4-B24C652A4C62}"/>
-              </a:ext>
-            </a:extLst>
-          </p:cNvPr>
-          <p:cNvSpPr txBox="1"/>
-          <p:nvPr/>
-        </p:nvSpPr>
-        <p:spPr>
-          <a:xfrm>
-            <a:off x="706582" y="1066279"/>
-            <a:ext cx="11051309" cy="923330"/>
-          </a:xfrm>
-          <a:prstGeom prst="rect">
-            <a:avLst/>
-          </a:prstGeom>
-          <a:noFill/>
-        </p:spPr>
-        <p:txBody>
-          <a:bodyPr wrap="square" rtlCol="0">
-            <a:spAutoFit/>
-          </a:bodyPr>
-          <a:lstStyle/>
-          <a:p>
-            <a:r>
-              <a:rPr lang="en-US" b="1" i="1" dirty="0"/>
-              <a:t>The data being analyzed  is the time to detect collisions while the number of particles and collisions grow. The collisions are always half of the number of particles so that they grow linearly with the number of particles.</a:t>
-            </a:r>
-          </a:p>
-        </p:txBody>
-      </p:sp>
-    </p:spTree>
-    <p:extLst>
-      <p:ext uri="{BB962C8B-B14F-4D97-AF65-F5344CB8AC3E}">
-        <p14:creationId xmlns:p14="http://schemas.microsoft.com/office/powerpoint/2010/main" val="1785903513"/>
-      </p:ext>
-    </p:extLst>
-  </p:cSld>
-  <p:clrMapOvr>
-    <a:masterClrMapping/>
-  </p:clrMapOvr>
-</p:sld>
-</file>
-
-<file path=ppt/slides/slide30.xml><?xml version="1.0" encoding="utf-8"?>
+<file path=ppt/slides/slide31.xml><?xml version="1.0" encoding="utf-8"?>
 <p:sld xmlns:a="http://schemas.openxmlformats.org/drawingml/2006/main" xmlns:r="http://schemas.openxmlformats.org/officeDocument/2006/relationships" xmlns:p="http://schemas.openxmlformats.org/presentationml/2006/main">
   <p:cSld>
     <p:spTree>
@@ -10612,7 +10843,7 @@
           <p:nvPr>
             <p:extLst>
               <p:ext uri="{D42A27DB-BD31-4B8C-83A1-F6EECF244321}">
-                <p14:modId xmlns:p14="http://schemas.microsoft.com/office/powerpoint/2010/main" val="1589381358"/>
+                <p14:modId xmlns:p14="http://schemas.microsoft.com/office/powerpoint/2010/main" val="353703473"/>
               </p:ext>
             </p:extLst>
           </p:nvPr>
@@ -10673,7 +10904,7 @@
 </p:sld>
 </file>
 
-<file path=ppt/slides/slide31.xml><?xml version="1.0" encoding="utf-8"?>
+<file path=ppt/slides/slide32.xml><?xml version="1.0" encoding="utf-8"?>
 <p:sld xmlns:a="http://schemas.openxmlformats.org/drawingml/2006/main" xmlns:r="http://schemas.openxmlformats.org/officeDocument/2006/relationships" xmlns:p="http://schemas.openxmlformats.org/presentationml/2006/main">
   <p:cSld>
     <p:spTree>
@@ -10770,7 +11001,7 @@
 </p:sld>
 </file>
 
-<file path=ppt/slides/slide32.xml><?xml version="1.0" encoding="utf-8"?>
+<file path=ppt/slides/slide33.xml><?xml version="1.0" encoding="utf-8"?>
 <p:sld xmlns:a="http://schemas.openxmlformats.org/drawingml/2006/main" xmlns:r="http://schemas.openxmlformats.org/officeDocument/2006/relationships" xmlns:p="http://schemas.openxmlformats.org/presentationml/2006/main">
   <p:cSld>
     <p:spTree>
@@ -10859,7 +11090,7 @@
           <a:p>
             <a:r>
               <a:rPr lang="en-US" dirty="0"/>
-              <a:t>A quadratic fit plot of the compute, graphics, and total performance . The compute consumes most of the time and grows at a rate greater than does graphics.  </a:t>
+              <a:t>A quadratic fit plot of the compute, graphics, and total performance. The compute consumes most of the time and grows at a rate greater than does graphics.  </a:t>
             </a:r>
           </a:p>
         </p:txBody>
@@ -10879,7 +11110,7 @@
           <p:nvPr>
             <p:extLst>
               <p:ext uri="{D42A27DB-BD31-4B8C-83A1-F6EECF244321}">
-                <p14:modId xmlns:p14="http://schemas.microsoft.com/office/powerpoint/2010/main" val="1606646806"/>
+                <p14:modId xmlns:p14="http://schemas.microsoft.com/office/powerpoint/2010/main" val="2856431615"/>
               </p:ext>
             </p:extLst>
           </p:nvPr>
@@ -10940,7 +11171,7 @@
 </p:sld>
 </file>
 
-<file path=ppt/slides/slide33.xml><?xml version="1.0" encoding="utf-8"?>
+<file path=ppt/slides/slide34.xml><?xml version="1.0" encoding="utf-8"?>
 <p:sld xmlns:a="http://schemas.openxmlformats.org/drawingml/2006/main" xmlns:r="http://schemas.openxmlformats.org/officeDocument/2006/relationships" xmlns:p="http://schemas.openxmlformats.org/presentationml/2006/main">
   <p:cSld>
     <p:spTree>
@@ -11049,7 +11280,7 @@
           <p:nvPr>
             <p:extLst>
               <p:ext uri="{D42A27DB-BD31-4B8C-83A1-F6EECF244321}">
-                <p14:modId xmlns:p14="http://schemas.microsoft.com/office/powerpoint/2010/main" val="3341495829"/>
+                <p14:modId xmlns:p14="http://schemas.microsoft.com/office/powerpoint/2010/main" val="1822915908"/>
               </p:ext>
             </p:extLst>
           </p:nvPr>
@@ -11116,7 +11347,7 @@
 </p:sld>
 </file>
 
-<file path=ppt/slides/slide34.xml><?xml version="1.0" encoding="utf-8"?>
+<file path=ppt/slides/slide35.xml><?xml version="1.0" encoding="utf-8"?>
 <p:sld xmlns:a="http://schemas.openxmlformats.org/drawingml/2006/main" xmlns:r="http://schemas.openxmlformats.org/officeDocument/2006/relationships" xmlns:p="http://schemas.openxmlformats.org/presentationml/2006/main">
   <p:cSld>
     <p:spTree>
@@ -11225,7 +11456,7 @@
           <p:nvPr>
             <p:extLst>
               <p:ext uri="{D42A27DB-BD31-4B8C-83A1-F6EECF244321}">
-                <p14:modId xmlns:p14="http://schemas.microsoft.com/office/powerpoint/2010/main" val="2475723049"/>
+                <p14:modId xmlns:p14="http://schemas.microsoft.com/office/powerpoint/2010/main" val="1176015987"/>
               </p:ext>
             </p:extLst>
           </p:nvPr>
@@ -11286,7 +11517,7 @@
 </p:sld>
 </file>
 
-<file path=ppt/slides/slide35.xml><?xml version="1.0" encoding="utf-8"?>
+<file path=ppt/slides/slide36.xml><?xml version="1.0" encoding="utf-8"?>
 <p:sld xmlns:a="http://schemas.openxmlformats.org/drawingml/2006/main" xmlns:r="http://schemas.openxmlformats.org/officeDocument/2006/relationships" xmlns:p="http://schemas.openxmlformats.org/presentationml/2006/main">
   <p:cSld>
     <p:spTree>
@@ -11387,7 +11618,7 @@
 </p:sld>
 </file>
 
-<file path=ppt/slides/slide36.xml><?xml version="1.0" encoding="utf-8"?>
+<file path=ppt/slides/slide37.xml><?xml version="1.0" encoding="utf-8"?>
 <p:sld xmlns:a="http://schemas.openxmlformats.org/drawingml/2006/main" xmlns:r="http://schemas.openxmlformats.org/officeDocument/2006/relationships" xmlns:p="http://schemas.openxmlformats.org/presentationml/2006/main">
   <p:cSld>
     <p:spTree>
@@ -11524,6 +11755,166 @@
 </p:sld>
 </file>
 
+<file path=ppt/slides/slide38.xml><?xml version="1.0" encoding="utf-8"?>
+<p:sld xmlns:a="http://schemas.openxmlformats.org/drawingml/2006/main" xmlns:r="http://schemas.openxmlformats.org/officeDocument/2006/relationships" xmlns:p="http://schemas.openxmlformats.org/presentationml/2006/main">
+  <p:cSld>
+    <p:spTree>
+      <p:nvGrpSpPr>
+        <p:cNvPr id="1" name=""/>
+        <p:cNvGrpSpPr/>
+        <p:nvPr/>
+      </p:nvGrpSpPr>
+      <p:grpSpPr>
+        <a:xfrm>
+          <a:off x="0" y="0"/>
+          <a:ext cx="0" cy="0"/>
+          <a:chOff x="0" y="0"/>
+          <a:chExt cx="0" cy="0"/>
+        </a:xfrm>
+      </p:grpSpPr>
+      <p:pic>
+        <p:nvPicPr>
+          <p:cNvPr id="2" name="Picture 1">
+            <a:extLst>
+              <a:ext uri="{FF2B5EF4-FFF2-40B4-BE49-F238E27FC236}">
+                <a16:creationId xmlns:a16="http://schemas.microsoft.com/office/drawing/2014/main" id="{A1D1B498-B0AF-8944-16D0-EEF5511B1FD3}"/>
+              </a:ext>
+            </a:extLst>
+          </p:cNvPr>
+          <p:cNvPicPr>
+            <a:picLocks noChangeAspect="1"/>
+          </p:cNvPicPr>
+          <p:nvPr/>
+        </p:nvPicPr>
+        <p:blipFill>
+          <a:blip r:embed="rId2"/>
+          <a:srcRect r="7805"/>
+          <a:stretch>
+            <a:fillRect/>
+          </a:stretch>
+        </p:blipFill>
+        <p:spPr>
+          <a:xfrm>
+            <a:off x="588143" y="384048"/>
+            <a:ext cx="3197473" cy="2596896"/>
+          </a:xfrm>
+          <a:prstGeom prst="rect">
+            <a:avLst/>
+          </a:prstGeom>
+        </p:spPr>
+      </p:pic>
+      <p:pic>
+        <p:nvPicPr>
+          <p:cNvPr id="3" name="Picture 2">
+            <a:extLst>
+              <a:ext uri="{FF2B5EF4-FFF2-40B4-BE49-F238E27FC236}">
+                <a16:creationId xmlns:a16="http://schemas.microsoft.com/office/drawing/2014/main" id="{B144F129-B76C-545F-4C1B-425E2F8C5CBC}"/>
+              </a:ext>
+            </a:extLst>
+          </p:cNvPr>
+          <p:cNvPicPr>
+            <a:picLocks noChangeAspect="1"/>
+          </p:cNvPicPr>
+          <p:nvPr/>
+        </p:nvPicPr>
+        <p:blipFill>
+          <a:blip r:embed="rId3"/>
+          <a:stretch>
+            <a:fillRect/>
+          </a:stretch>
+        </p:blipFill>
+        <p:spPr>
+          <a:xfrm>
+            <a:off x="3853187" y="146304"/>
+            <a:ext cx="3867523" cy="3108960"/>
+          </a:xfrm>
+          <a:prstGeom prst="rect">
+            <a:avLst/>
+          </a:prstGeom>
+        </p:spPr>
+      </p:pic>
+      <p:graphicFrame>
+        <p:nvGraphicFramePr>
+          <p:cNvPr id="4" name="Object 3">
+            <a:extLst>
+              <a:ext uri="{FF2B5EF4-FFF2-40B4-BE49-F238E27FC236}">
+                <a16:creationId xmlns:a16="http://schemas.microsoft.com/office/drawing/2014/main" id="{68F82F40-04EF-D533-E9C8-5C79AC499AF6}"/>
+              </a:ext>
+            </a:extLst>
+          </p:cNvPr>
+          <p:cNvGraphicFramePr>
+            <a:graphicFrameLocks noChangeAspect="1"/>
+          </p:cNvGraphicFramePr>
+          <p:nvPr>
+            <p:extLst>
+              <p:ext uri="{D42A27DB-BD31-4B8C-83A1-F6EECF244321}">
+                <p14:modId xmlns:p14="http://schemas.microsoft.com/office/powerpoint/2010/main" val="2613138210"/>
+              </p:ext>
+            </p:extLst>
+          </p:nvPr>
+        </p:nvGraphicFramePr>
+        <p:xfrm>
+          <a:off x="877824" y="3355340"/>
+          <a:ext cx="2788920" cy="2002028"/>
+        </p:xfrm>
+        <a:graphic>
+          <a:graphicData uri="http://schemas.openxmlformats.org/presentationml/2006/ole">
+            <mc:AlternateContent xmlns:mc="http://schemas.openxmlformats.org/markup-compatibility/2006">
+              <mc:Choice xmlns:v="urn:schemas-microsoft-com:vml" Requires="v">
+                <p:oleObj name="Worksheet" r:id="rId4" imgW="8696449" imgH="4562407" progId="Excel.Sheet.12">
+                  <p:link updateAutomatic="1"/>
+                </p:oleObj>
+              </mc:Choice>
+              <mc:Fallback>
+                <p:oleObj name="Worksheet" r:id="rId4" imgW="8696449" imgH="4562407" progId="Excel.Sheet.12">
+                  <p:link updateAutomatic="1"/>
+                  <p:pic>
+                    <p:nvPicPr>
+                      <p:cNvPr id="6" name="Object 5">
+                        <a:extLst>
+                          <a:ext uri="{FF2B5EF4-FFF2-40B4-BE49-F238E27FC236}">
+                            <a16:creationId xmlns:a16="http://schemas.microsoft.com/office/drawing/2014/main" id="{A2431B86-53E6-0034-7891-DFA9FABB80A8}"/>
+                          </a:ext>
+                        </a:extLst>
+                      </p:cNvPr>
+                      <p:cNvPicPr/>
+                      <p:nvPr/>
+                    </p:nvPicPr>
+                    <p:blipFill>
+                      <a:blip r:embed="rId5"/>
+                      <a:stretch>
+                        <a:fillRect/>
+                      </a:stretch>
+                    </p:blipFill>
+                    <p:spPr>
+                      <a:xfrm>
+                        <a:off x="877824" y="3355340"/>
+                        <a:ext cx="2788920" cy="2002028"/>
+                      </a:xfrm>
+                      <a:prstGeom prst="rect">
+                        <a:avLst/>
+                      </a:prstGeom>
+                    </p:spPr>
+                  </p:pic>
+                </p:oleObj>
+              </mc:Fallback>
+            </mc:AlternateContent>
+          </a:graphicData>
+        </a:graphic>
+      </p:graphicFrame>
+    </p:spTree>
+    <p:extLst>
+      <p:ext uri="{BB962C8B-B14F-4D97-AF65-F5344CB8AC3E}">
+        <p14:creationId xmlns:p14="http://schemas.microsoft.com/office/powerpoint/2010/main" val="4164113081"/>
+      </p:ext>
+    </p:extLst>
+  </p:cSld>
+  <p:clrMapOvr>
+    <a:masterClrMapping/>
+  </p:clrMapOvr>
+</p:sld>
+</file>
+
 <file path=ppt/slides/slide4.xml><?xml version="1.0" encoding="utf-8"?>
 <p:sld xmlns:a="http://schemas.openxmlformats.org/drawingml/2006/main" xmlns:r="http://schemas.openxmlformats.org/officeDocument/2006/relationships" xmlns:p="http://schemas.openxmlformats.org/presentationml/2006/main">
   <p:cSld>
@@ -11630,8 +12021,18 @@
               <a:buAutoNum type="arabicPeriod"/>
             </a:pPr>
             <a:r>
+              <a:rPr lang="en-US" dirty="0">
+                <a:solidFill>
+                  <a:schemeClr val="accent1">
+                    <a:lumMod val="75000"/>
+                  </a:schemeClr>
+                </a:solidFill>
+              </a:rPr>
+              <a:t>The GPU performance profile has a number of outliers and dramatic change occurs around 7E5 particles where it then settles into a more linear trend</a:t>
+            </a:r>
+            <a:r>
               <a:rPr lang="en-US" dirty="0"/>
-              <a:t>The GPU performance profile has a number of outliers and dramatic change occurs around 7E5 particles where it then settles into a more linear trend.</a:t>
+              <a:t>.</a:t>
             </a:r>
           </a:p>
           <a:p>
@@ -11647,7 +12048,11 @@
               <a:buAutoNum type="arabicPeriod"/>
             </a:pPr>
             <a:r>
-              <a:rPr lang="en-US" dirty="0"/>
+              <a:rPr lang="en-US" dirty="0">
+                <a:solidFill>
+                  <a:schemeClr val="accent5"/>
+                </a:solidFill>
+              </a:rPr>
               <a:t>The data is heteroscedastic so that variation in time grows as the time scale grows. A log plot was performed to remove scale variations. It showed that that the time variation does grow in direct proportion to the number of particles.</a:t>
             </a:r>
           </a:p>
@@ -11842,11 +12247,23 @@
               <a:buAutoNum type="arabicPeriod"/>
             </a:pPr>
             <a:r>
-              <a:rPr lang="en-US" dirty="0"/>
+              <a:rPr lang="en-US" dirty="0">
+                <a:solidFill>
+                  <a:schemeClr val="accent1">
+                    <a:lumMod val="75000"/>
+                  </a:schemeClr>
+                </a:solidFill>
+              </a:rPr>
               <a:t>Total time is the sum of the graphics and compute pipeline processing time.</a:t>
             </a:r>
             <a:r>
-              <a:rPr lang="en-US" b="1" dirty="0"/>
+              <a:rPr lang="en-US" b="1" dirty="0">
+                <a:solidFill>
+                  <a:schemeClr val="accent1">
+                    <a:lumMod val="75000"/>
+                  </a:schemeClr>
+                </a:solidFill>
+              </a:rPr>
               <a:t> O(N + M)</a:t>
             </a:r>
           </a:p>
@@ -11855,7 +12272,13 @@
               <a:buFont typeface="+mj-lt"/>
               <a:buAutoNum type="arabicPeriod"/>
             </a:pPr>
-            <a:endParaRPr lang="en-US" b="1" dirty="0"/>
+            <a:endParaRPr lang="en-US" b="1" dirty="0">
+              <a:solidFill>
+                <a:schemeClr val="accent1">
+                  <a:lumMod val="75000"/>
+                </a:schemeClr>
+              </a:solidFill>
+            </a:endParaRPr>
           </a:p>
           <a:p>
             <a:pPr marL="342900" indent="-342900">
@@ -11863,25 +12286,54 @@
               <a:buAutoNum type="arabicPeriod"/>
             </a:pPr>
             <a:r>
-              <a:rPr lang="en-US" dirty="0"/>
+              <a:rPr lang="en-US" dirty="0">
+                <a:solidFill>
+                  <a:schemeClr val="accent1">
+                    <a:lumMod val="75000"/>
+                  </a:schemeClr>
+                </a:solidFill>
+              </a:rPr>
               <a:t>The theoretical complexity of total time is known to be </a:t>
             </a:r>
             <a:r>
               <a:rPr lang="en-US" sz="2400" dirty="0">
+                <a:solidFill>
+                  <a:schemeClr val="accent1">
+                    <a:lumMod val="75000"/>
+                  </a:schemeClr>
+                </a:solidFill>
                 <a:latin typeface="Brush Script MT" panose="03060802040406070304" pitchFamily="66" charset="0"/>
               </a:rPr>
               <a:t>O</a:t>
             </a:r>
             <a:r>
-              <a:rPr lang="en-US" dirty="0"/>
+              <a:rPr lang="en-US" dirty="0">
+                <a:solidFill>
+                  <a:schemeClr val="accent1">
+                    <a:lumMod val="75000"/>
+                  </a:schemeClr>
+                </a:solidFill>
+              </a:rPr>
               <a:t>(n</a:t>
             </a:r>
             <a:r>
-              <a:rPr lang="en-US" baseline="30000" dirty="0"/>
+              <a:rPr lang="en-US" baseline="30000" dirty="0">
+                <a:solidFill>
+                  <a:schemeClr val="accent1">
+                    <a:lumMod val="75000"/>
+                  </a:schemeClr>
+                </a:solidFill>
+              </a:rPr>
               <a:t>2</a:t>
             </a:r>
             <a:r>
-              <a:rPr lang="en-US" dirty="0"/>
+              <a:rPr lang="en-US" dirty="0">
+                <a:solidFill>
+                  <a:schemeClr val="accent1">
+                    <a:lumMod val="75000"/>
+                  </a:schemeClr>
+                </a:solidFill>
+              </a:rPr>
               <a:t>). </a:t>
             </a:r>
           </a:p>
@@ -11890,7 +12342,13 @@
               <a:buFont typeface="+mj-lt"/>
               <a:buAutoNum type="arabicPeriod"/>
             </a:pPr>
-            <a:endParaRPr lang="en-US" dirty="0"/>
+            <a:endParaRPr lang="en-US" dirty="0">
+              <a:solidFill>
+                <a:schemeClr val="accent1">
+                  <a:lumMod val="75000"/>
+                </a:schemeClr>
+              </a:solidFill>
+            </a:endParaRPr>
           </a:p>
           <a:p>
             <a:pPr marL="342900" indent="-342900">
@@ -11898,15 +12356,33 @@
               <a:buAutoNum type="arabicPeriod"/>
             </a:pPr>
             <a:r>
-              <a:rPr lang="en-US" dirty="0"/>
+              <a:rPr lang="en-US" dirty="0">
+                <a:solidFill>
+                  <a:schemeClr val="accent1">
+                    <a:lumMod val="75000"/>
+                  </a:schemeClr>
+                </a:solidFill>
+              </a:rPr>
               <a:t>A very small base cost per frame (</a:t>
             </a:r>
             <a:r>
-              <a:rPr lang="en-US" dirty="0" err="1"/>
+              <a:rPr lang="en-US" dirty="0" err="1">
+                <a:solidFill>
+                  <a:schemeClr val="accent1">
+                    <a:lumMod val="75000"/>
+                  </a:schemeClr>
+                </a:solidFill>
+              </a:rPr>
               <a:t>bcpf</a:t>
             </a:r>
             <a:r>
-              <a:rPr lang="en-US" dirty="0"/>
+              <a:rPr lang="en-US" dirty="0">
+                <a:solidFill>
+                  <a:schemeClr val="accent1">
+                    <a:lumMod val="75000"/>
+                  </a:schemeClr>
+                </a:solidFill>
+              </a:rPr>
               <a:t>) (K) puts a tiny interval very close to the minima of the fit function such that it is essentially linear. The trendlines must be considered “as if and only on this interval” or ‘if there were a competing algorithm with this base cost, and this interval, what would it look like?”.</a:t>
             </a:r>
           </a:p>
@@ -11915,7 +12391,13 @@
               <a:buFont typeface="+mj-lt"/>
               <a:buAutoNum type="arabicPeriod"/>
             </a:pPr>
-            <a:endParaRPr lang="en-US" dirty="0"/>
+            <a:endParaRPr lang="en-US" dirty="0">
+              <a:solidFill>
+                <a:schemeClr val="accent1">
+                  <a:lumMod val="75000"/>
+                </a:schemeClr>
+              </a:solidFill>
+            </a:endParaRPr>
           </a:p>
           <a:p>
             <a:pPr marL="342900" indent="-342900">
@@ -11923,43 +12405,95 @@
               <a:buAutoNum type="arabicPeriod"/>
             </a:pPr>
             <a:r>
-              <a:rPr lang="en-US" dirty="0"/>
+              <a:rPr lang="en-US" dirty="0">
+                <a:solidFill>
+                  <a:schemeClr val="accent1">
+                    <a:lumMod val="75000"/>
+                  </a:schemeClr>
+                </a:solidFill>
+              </a:rPr>
               <a:t>The degree of parallelization can grow to a point where there is an </a:t>
             </a:r>
             <a:r>
-              <a:rPr lang="en-US" b="1" i="1" dirty="0"/>
+              <a:rPr lang="en-US" b="1" i="1" dirty="0">
+                <a:solidFill>
+                  <a:schemeClr val="accent1">
+                    <a:lumMod val="75000"/>
+                  </a:schemeClr>
+                </a:solidFill>
+              </a:rPr>
               <a:t>effective</a:t>
             </a:r>
             <a:r>
-              <a:rPr lang="en-US" dirty="0"/>
+              <a:rPr lang="en-US" dirty="0">
+                <a:solidFill>
+                  <a:schemeClr val="accent1">
+                    <a:lumMod val="75000"/>
+                  </a:schemeClr>
+                </a:solidFill>
+              </a:rPr>
               <a:t> reduction of order from the original complexity (in this case </a:t>
             </a:r>
             <a:r>
               <a:rPr lang="en-US" sz="2400" dirty="0">
+                <a:solidFill>
+                  <a:schemeClr val="accent1">
+                    <a:lumMod val="75000"/>
+                  </a:schemeClr>
+                </a:solidFill>
                 <a:latin typeface="Brush Script MT" panose="03060802040406070304" pitchFamily="66" charset="0"/>
               </a:rPr>
               <a:t>O</a:t>
             </a:r>
             <a:r>
-              <a:rPr lang="en-US" dirty="0"/>
+              <a:rPr lang="en-US" dirty="0">
+                <a:solidFill>
+                  <a:schemeClr val="accent1">
+                    <a:lumMod val="75000"/>
+                  </a:schemeClr>
+                </a:solidFill>
+              </a:rPr>
               <a:t>(n</a:t>
             </a:r>
             <a:r>
-              <a:rPr lang="en-US" baseline="30000" dirty="0"/>
+              <a:rPr lang="en-US" baseline="30000" dirty="0">
+                <a:solidFill>
+                  <a:schemeClr val="accent1">
+                    <a:lumMod val="75000"/>
+                  </a:schemeClr>
+                </a:solidFill>
+              </a:rPr>
               <a:t>2</a:t>
             </a:r>
             <a:r>
-              <a:rPr lang="en-US" dirty="0"/>
+              <a:rPr lang="en-US" dirty="0">
+                <a:solidFill>
+                  <a:schemeClr val="accent1">
+                    <a:lumMod val="75000"/>
+                  </a:schemeClr>
+                </a:solidFill>
+              </a:rPr>
               <a:t>)) to a linear one (</a:t>
             </a:r>
             <a:r>
               <a:rPr lang="en-US" sz="2000" dirty="0">
+                <a:solidFill>
+                  <a:schemeClr val="accent1">
+                    <a:lumMod val="75000"/>
+                  </a:schemeClr>
+                </a:solidFill>
                 <a:latin typeface="Brush Script MT" panose="03060802040406070304" pitchFamily="66" charset="0"/>
               </a:rPr>
               <a:t>O</a:t>
             </a:r>
             <a:r>
-              <a:rPr lang="en-US" dirty="0"/>
+              <a:rPr lang="en-US" dirty="0">
+                <a:solidFill>
+                  <a:schemeClr val="accent1">
+                    <a:lumMod val="75000"/>
+                  </a:schemeClr>
+                </a:solidFill>
+              </a:rPr>
               <a:t>(n) in this case). </a:t>
             </a:r>
           </a:p>
@@ -12119,63 +12653,153 @@
               <a:buAutoNum type="arabicPeriod"/>
             </a:pPr>
             <a:r>
-              <a:rPr lang="en-US" dirty="0"/>
+              <a:rPr lang="en-US" dirty="0">
+                <a:solidFill>
+                  <a:schemeClr val="accent1">
+                    <a:lumMod val="75000"/>
+                  </a:schemeClr>
+                </a:solidFill>
+              </a:rPr>
               <a:t>A competing quadratic algorithm for the frame time of the graphics pipeline, has a base cost of 6.6453E-19 </a:t>
             </a:r>
             <a:r>
-              <a:rPr lang="en-US" baseline="0" dirty="0"/>
+              <a:rPr lang="en-US" baseline="0" dirty="0">
+                <a:solidFill>
+                  <a:schemeClr val="accent1">
+                    <a:lumMod val="75000"/>
+                  </a:schemeClr>
+                </a:solidFill>
+              </a:rPr>
               <a:t>(s)</a:t>
             </a:r>
             <a:r>
-              <a:rPr lang="en-US" baseline="30000" dirty="0"/>
+              <a:rPr lang="en-US" baseline="30000" dirty="0">
+                <a:solidFill>
+                  <a:schemeClr val="accent1">
+                    <a:lumMod val="75000"/>
+                  </a:schemeClr>
+                </a:solidFill>
+              </a:rPr>
               <a:t>  </a:t>
             </a:r>
             <a:r>
-              <a:rPr lang="en-US" dirty="0"/>
+              <a:rPr lang="en-US" dirty="0">
+                <a:solidFill>
+                  <a:schemeClr val="accent1">
+                    <a:lumMod val="75000"/>
+                  </a:schemeClr>
+                </a:solidFill>
+              </a:rPr>
               <a:t>where </a:t>
             </a:r>
             <a:r>
-              <a:rPr lang="en-US" i="1" dirty="0"/>
+              <a:rPr lang="en-US" i="1" dirty="0">
+                <a:solidFill>
+                  <a:schemeClr val="accent1">
+                    <a:lumMod val="75000"/>
+                  </a:schemeClr>
+                </a:solidFill>
+              </a:rPr>
               <a:t>x</a:t>
             </a:r>
             <a:r>
-              <a:rPr lang="en-US" dirty="0"/>
+              <a:rPr lang="en-US" dirty="0">
+                <a:solidFill>
+                  <a:schemeClr val="accent1">
+                    <a:lumMod val="75000"/>
+                  </a:schemeClr>
+                </a:solidFill>
+              </a:rPr>
               <a:t> is the number of particles and </a:t>
             </a:r>
             <a:r>
-              <a:rPr lang="en-US" i="1" dirty="0"/>
+              <a:rPr lang="en-US" i="1" dirty="0">
+                <a:solidFill>
+                  <a:schemeClr val="accent1">
+                    <a:lumMod val="75000"/>
+                  </a:schemeClr>
+                </a:solidFill>
+              </a:rPr>
               <a:t>t(s)</a:t>
             </a:r>
             <a:r>
-              <a:rPr lang="en-US" dirty="0"/>
+              <a:rPr lang="en-US" dirty="0">
+                <a:solidFill>
+                  <a:schemeClr val="accent1">
+                    <a:lumMod val="75000"/>
+                  </a:schemeClr>
+                </a:solidFill>
+              </a:rPr>
               <a:t> is the time to process one frame   </a:t>
             </a:r>
             <a:r>
-              <a:rPr lang="en-US" i="1" dirty="0"/>
+              <a:rPr lang="en-US" i="1" dirty="0">
+                <a:solidFill>
+                  <a:schemeClr val="accent1">
+                    <a:lumMod val="75000"/>
+                  </a:schemeClr>
+                </a:solidFill>
+              </a:rPr>
               <a:t>(t = </a:t>
             </a:r>
             <a:r>
-              <a:rPr lang="en-US" dirty="0"/>
+              <a:rPr lang="en-US" dirty="0">
+                <a:solidFill>
+                  <a:schemeClr val="accent1">
+                    <a:lumMod val="75000"/>
+                  </a:schemeClr>
+                </a:solidFill>
+              </a:rPr>
               <a:t>3E-18x</a:t>
             </a:r>
             <a:r>
-              <a:rPr lang="en-US" baseline="30000" dirty="0"/>
+              <a:rPr lang="en-US" baseline="30000" dirty="0">
+                <a:solidFill>
+                  <a:schemeClr val="accent1">
+                    <a:lumMod val="75000"/>
+                  </a:schemeClr>
+                </a:solidFill>
+              </a:rPr>
               <a:t>2</a:t>
             </a:r>
             <a:r>
-              <a:rPr lang="en-US" dirty="0"/>
+              <a:rPr lang="en-US" dirty="0">
+                <a:solidFill>
+                  <a:schemeClr val="accent1">
+                    <a:lumMod val="75000"/>
+                  </a:schemeClr>
+                </a:solidFill>
+              </a:rPr>
               <a:t> + 1E-09x - 6E-05</a:t>
             </a:r>
             <a:r>
-              <a:rPr lang="en-US" i="1" baseline="0" dirty="0"/>
+              <a:rPr lang="en-US" i="1" baseline="0" dirty="0">
+                <a:solidFill>
+                  <a:schemeClr val="accent1">
+                    <a:lumMod val="75000"/>
+                  </a:schemeClr>
+                </a:solidFill>
+              </a:rPr>
               <a:t>, R² = </a:t>
             </a:r>
             <a:r>
-              <a:rPr lang="en-US" dirty="0"/>
+              <a:rPr lang="en-US" dirty="0">
+                <a:solidFill>
+                  <a:schemeClr val="accent1">
+                    <a:lumMod val="75000"/>
+                  </a:schemeClr>
+                </a:solidFill>
+              </a:rPr>
               <a:t>0.9917</a:t>
             </a:r>
             <a:r>
-              <a:rPr lang="en-US" i="1" baseline="0" dirty="0"/>
+              <a:rPr lang="en-US" i="1" baseline="0" dirty="0">
+                <a:solidFill>
+                  <a:schemeClr val="accent1">
+                    <a:lumMod val="75000"/>
+                  </a:schemeClr>
+                </a:solidFill>
+              </a:rPr>
               <a:t>.</a:t>
             </a:r>
           </a:p>
@@ -12184,7 +12808,13 @@
               <a:buFont typeface="+mj-lt"/>
               <a:buAutoNum type="arabicPeriod"/>
             </a:pPr>
-            <a:endParaRPr lang="en-US" i="1" dirty="0"/>
+            <a:endParaRPr lang="en-US" i="1" dirty="0">
+              <a:solidFill>
+                <a:schemeClr val="accent1">
+                  <a:lumMod val="75000"/>
+                </a:schemeClr>
+              </a:solidFill>
+            </a:endParaRPr>
           </a:p>
           <a:p>
             <a:pPr marL="342900" indent="-342900">
@@ -12192,42 +12822,102 @@
               <a:buAutoNum type="arabicPeriod"/>
             </a:pPr>
             <a:r>
-              <a:rPr lang="en-US" dirty="0"/>
+              <a:rPr lang="en-US" dirty="0">
+                <a:solidFill>
+                  <a:schemeClr val="accent1">
+                    <a:lumMod val="75000"/>
+                  </a:schemeClr>
+                </a:solidFill>
+              </a:rPr>
               <a:t>A competing linear algorithm for the frame time of the graphics pipeline, has a base cost of 1.3624E-09(s)</a:t>
             </a:r>
             <a:r>
-              <a:rPr lang="en-US" baseline="30000" dirty="0"/>
+              <a:rPr lang="en-US" baseline="30000" dirty="0">
+                <a:solidFill>
+                  <a:schemeClr val="accent1">
+                    <a:lumMod val="75000"/>
+                  </a:schemeClr>
+                </a:solidFill>
+              </a:rPr>
               <a:t>  </a:t>
             </a:r>
             <a:r>
-              <a:rPr lang="en-US" dirty="0"/>
+              <a:rPr lang="en-US" dirty="0">
+                <a:solidFill>
+                  <a:schemeClr val="accent1">
+                    <a:lumMod val="75000"/>
+                  </a:schemeClr>
+                </a:solidFill>
+              </a:rPr>
               <a:t>where </a:t>
             </a:r>
             <a:r>
-              <a:rPr lang="en-US" i="1" dirty="0"/>
+              <a:rPr lang="en-US" i="1" dirty="0">
+                <a:solidFill>
+                  <a:schemeClr val="accent1">
+                    <a:lumMod val="75000"/>
+                  </a:schemeClr>
+                </a:solidFill>
+              </a:rPr>
               <a:t>x</a:t>
             </a:r>
             <a:r>
-              <a:rPr lang="en-US" dirty="0"/>
+              <a:rPr lang="en-US" dirty="0">
+                <a:solidFill>
+                  <a:schemeClr val="accent1">
+                    <a:lumMod val="75000"/>
+                  </a:schemeClr>
+                </a:solidFill>
+              </a:rPr>
               <a:t> is the number of particles and </a:t>
             </a:r>
             <a:r>
-              <a:rPr lang="en-US" i="1" dirty="0"/>
+              <a:rPr lang="en-US" i="1" dirty="0">
+                <a:solidFill>
+                  <a:schemeClr val="accent1">
+                    <a:lumMod val="75000"/>
+                  </a:schemeClr>
+                </a:solidFill>
+              </a:rPr>
               <a:t>t(s)</a:t>
             </a:r>
             <a:r>
-              <a:rPr lang="en-US" dirty="0"/>
+              <a:rPr lang="en-US" dirty="0">
+                <a:solidFill>
+                  <a:schemeClr val="accent1">
+                    <a:lumMod val="75000"/>
+                  </a:schemeClr>
+                </a:solidFill>
+              </a:rPr>
               <a:t> is the time to process one frame        </a:t>
             </a:r>
             <a:r>
-              <a:rPr lang="en-US" i="1" dirty="0"/>
+              <a:rPr lang="en-US" i="1" dirty="0">
+                <a:solidFill>
+                  <a:schemeClr val="accent1">
+                    <a:lumMod val="75000"/>
+                  </a:schemeClr>
+                </a:solidFill>
+              </a:rPr>
               <a:t>t = </a:t>
             </a:r>
             <a:r>
-              <a:rPr lang="en-US" dirty="0"/>
+              <a:rPr lang="en-US" dirty="0">
+                <a:solidFill>
+                  <a:schemeClr val="accent1">
+                    <a:lumMod val="75000"/>
+                  </a:schemeClr>
+                </a:solidFill>
+              </a:rPr>
               <a:t>1.3624E-09x - 7.4949E-05, R² = 9.9188E-01</a:t>
             </a:r>
-            <a:endParaRPr lang="en-US" i="1" baseline="0" dirty="0"/>
+            <a:endParaRPr lang="en-US" i="1" baseline="0" dirty="0">
+              <a:solidFill>
+                <a:schemeClr val="accent1">
+                  <a:lumMod val="75000"/>
+                </a:schemeClr>
+              </a:solidFill>
+            </a:endParaRPr>
           </a:p>
           <a:p>
             <a:pPr marL="342900" indent="-342900">
@@ -12388,63 +13078,153 @@
               <a:buAutoNum type="arabicPeriod"/>
             </a:pPr>
             <a:r>
-              <a:rPr lang="en-US" dirty="0"/>
+              <a:rPr lang="en-US" dirty="0">
+                <a:solidFill>
+                  <a:schemeClr val="accent1">
+                    <a:lumMod val="75000"/>
+                  </a:schemeClr>
+                </a:solidFill>
+              </a:rPr>
               <a:t>A competing quadratic algorithm for the frame time of the compute pipeline, has a base cost of 5.3656E-18 </a:t>
             </a:r>
             <a:r>
-              <a:rPr lang="en-US" baseline="0" dirty="0"/>
+              <a:rPr lang="en-US" baseline="0" dirty="0">
+                <a:solidFill>
+                  <a:schemeClr val="accent1">
+                    <a:lumMod val="75000"/>
+                  </a:schemeClr>
+                </a:solidFill>
+              </a:rPr>
               <a:t>(s)</a:t>
             </a:r>
             <a:r>
-              <a:rPr lang="en-US" baseline="30000" dirty="0"/>
+              <a:rPr lang="en-US" baseline="30000" dirty="0">
+                <a:solidFill>
+                  <a:schemeClr val="accent1">
+                    <a:lumMod val="75000"/>
+                  </a:schemeClr>
+                </a:solidFill>
+              </a:rPr>
               <a:t>  </a:t>
             </a:r>
             <a:r>
-              <a:rPr lang="en-US" dirty="0"/>
+              <a:rPr lang="en-US" dirty="0">
+                <a:solidFill>
+                  <a:schemeClr val="accent1">
+                    <a:lumMod val="75000"/>
+                  </a:schemeClr>
+                </a:solidFill>
+              </a:rPr>
               <a:t>where </a:t>
             </a:r>
             <a:r>
-              <a:rPr lang="en-US" i="1" dirty="0"/>
+              <a:rPr lang="en-US" i="1" dirty="0">
+                <a:solidFill>
+                  <a:schemeClr val="accent1">
+                    <a:lumMod val="75000"/>
+                  </a:schemeClr>
+                </a:solidFill>
+              </a:rPr>
               <a:t>x</a:t>
             </a:r>
             <a:r>
-              <a:rPr lang="en-US" dirty="0"/>
+              <a:rPr lang="en-US" dirty="0">
+                <a:solidFill>
+                  <a:schemeClr val="accent1">
+                    <a:lumMod val="75000"/>
+                  </a:schemeClr>
+                </a:solidFill>
+              </a:rPr>
               <a:t> is the number of particles and </a:t>
             </a:r>
             <a:r>
-              <a:rPr lang="en-US" i="1" dirty="0"/>
+              <a:rPr lang="en-US" i="1" dirty="0">
+                <a:solidFill>
+                  <a:schemeClr val="accent1">
+                    <a:lumMod val="75000"/>
+                  </a:schemeClr>
+                </a:solidFill>
+              </a:rPr>
               <a:t>t(s)</a:t>
             </a:r>
             <a:r>
-              <a:rPr lang="en-US" dirty="0"/>
+              <a:rPr lang="en-US" dirty="0">
+                <a:solidFill>
+                  <a:schemeClr val="accent1">
+                    <a:lumMod val="75000"/>
+                  </a:schemeClr>
+                </a:solidFill>
+              </a:rPr>
               <a:t> is the time to process one frame   </a:t>
             </a:r>
             <a:r>
-              <a:rPr lang="en-US" i="1" dirty="0"/>
+              <a:rPr lang="en-US" i="1" dirty="0">
+                <a:solidFill>
+                  <a:schemeClr val="accent1">
+                    <a:lumMod val="75000"/>
+                  </a:schemeClr>
+                </a:solidFill>
+              </a:rPr>
               <a:t>(t = </a:t>
             </a:r>
             <a:r>
-              <a:rPr lang="en-US" dirty="0"/>
+              <a:rPr lang="en-US" dirty="0">
+                <a:solidFill>
+                  <a:schemeClr val="accent1">
+                    <a:lumMod val="75000"/>
+                  </a:schemeClr>
+                </a:solidFill>
+              </a:rPr>
               <a:t>5.3656E-18x</a:t>
             </a:r>
             <a:r>
-              <a:rPr lang="en-US" baseline="30000" dirty="0"/>
+              <a:rPr lang="en-US" baseline="30000" dirty="0">
+                <a:solidFill>
+                  <a:schemeClr val="accent1">
+                    <a:lumMod val="75000"/>
+                  </a:schemeClr>
+                </a:solidFill>
+              </a:rPr>
               <a:t>2</a:t>
             </a:r>
             <a:r>
-              <a:rPr lang="en-US" dirty="0"/>
+              <a:rPr lang="en-US" dirty="0">
+                <a:solidFill>
+                  <a:schemeClr val="accent1">
+                    <a:lumMod val="75000"/>
+                  </a:schemeClr>
+                </a:solidFill>
+              </a:rPr>
               <a:t> + 6.5170E-09x - 2.1597E-04</a:t>
             </a:r>
             <a:r>
-              <a:rPr lang="en-US" i="1" baseline="0" dirty="0"/>
+              <a:rPr lang="en-US" i="1" baseline="0" dirty="0">
+                <a:solidFill>
+                  <a:schemeClr val="accent1">
+                    <a:lumMod val="75000"/>
+                  </a:schemeClr>
+                </a:solidFill>
+              </a:rPr>
               <a:t>, R² = </a:t>
             </a:r>
             <a:r>
-              <a:rPr lang="en-US" dirty="0"/>
+              <a:rPr lang="en-US" dirty="0">
+                <a:solidFill>
+                  <a:schemeClr val="accent1">
+                    <a:lumMod val="75000"/>
+                  </a:schemeClr>
+                </a:solidFill>
+              </a:rPr>
               <a:t>9.9977E-01</a:t>
             </a:r>
             <a:r>
-              <a:rPr lang="en-US" i="1" baseline="0" dirty="0"/>
+              <a:rPr lang="en-US" i="1" baseline="0" dirty="0">
+                <a:solidFill>
+                  <a:schemeClr val="accent1">
+                    <a:lumMod val="75000"/>
+                  </a:schemeClr>
+                </a:solidFill>
+              </a:rPr>
               <a:t>).</a:t>
             </a:r>
           </a:p>
@@ -12453,7 +13233,13 @@
               <a:buFont typeface="+mj-lt"/>
               <a:buAutoNum type="arabicPeriod"/>
             </a:pPr>
-            <a:endParaRPr lang="en-US" i="1" dirty="0"/>
+            <a:endParaRPr lang="en-US" i="1" dirty="0">
+              <a:solidFill>
+                <a:schemeClr val="accent1">
+                  <a:lumMod val="75000"/>
+                </a:schemeClr>
+              </a:solidFill>
+            </a:endParaRPr>
           </a:p>
           <a:p>
             <a:pPr marL="342900" indent="-342900">
@@ -12461,39 +13247,93 @@
               <a:buAutoNum type="arabicPeriod"/>
             </a:pPr>
             <a:r>
-              <a:rPr lang="en-US" dirty="0"/>
+              <a:rPr lang="en-US" dirty="0">
+                <a:solidFill>
+                  <a:schemeClr val="accent1">
+                    <a:lumMod val="75000"/>
+                  </a:schemeClr>
+                </a:solidFill>
+              </a:rPr>
               <a:t>A competing linear algorithm for the frame time of the compute pipeline, has a base cost of 6.5582E-09 (s)</a:t>
             </a:r>
             <a:r>
-              <a:rPr lang="en-US" baseline="30000" dirty="0"/>
+              <a:rPr lang="en-US" baseline="30000" dirty="0">
+                <a:solidFill>
+                  <a:schemeClr val="accent1">
+                    <a:lumMod val="75000"/>
+                  </a:schemeClr>
+                </a:solidFill>
+              </a:rPr>
               <a:t>  </a:t>
             </a:r>
             <a:r>
-              <a:rPr lang="en-US" dirty="0"/>
+              <a:rPr lang="en-US" dirty="0">
+                <a:solidFill>
+                  <a:schemeClr val="accent1">
+                    <a:lumMod val="75000"/>
+                  </a:schemeClr>
+                </a:solidFill>
+              </a:rPr>
               <a:t>where </a:t>
             </a:r>
             <a:r>
-              <a:rPr lang="en-US" i="1" dirty="0"/>
+              <a:rPr lang="en-US" i="1" dirty="0">
+                <a:solidFill>
+                  <a:schemeClr val="accent1">
+                    <a:lumMod val="75000"/>
+                  </a:schemeClr>
+                </a:solidFill>
+              </a:rPr>
               <a:t>x</a:t>
             </a:r>
             <a:r>
-              <a:rPr lang="en-US" dirty="0"/>
+              <a:rPr lang="en-US" dirty="0">
+                <a:solidFill>
+                  <a:schemeClr val="accent1">
+                    <a:lumMod val="75000"/>
+                  </a:schemeClr>
+                </a:solidFill>
+              </a:rPr>
               <a:t> is the number of particles and </a:t>
             </a:r>
             <a:r>
-              <a:rPr lang="en-US" i="1" dirty="0"/>
+              <a:rPr lang="en-US" i="1" dirty="0">
+                <a:solidFill>
+                  <a:schemeClr val="accent1">
+                    <a:lumMod val="75000"/>
+                  </a:schemeClr>
+                </a:solidFill>
+              </a:rPr>
               <a:t>t(s)</a:t>
             </a:r>
             <a:r>
-              <a:rPr lang="en-US" dirty="0"/>
+              <a:rPr lang="en-US" dirty="0">
+                <a:solidFill>
+                  <a:schemeClr val="accent1">
+                    <a:lumMod val="75000"/>
+                  </a:schemeClr>
+                </a:solidFill>
+              </a:rPr>
               <a:t> is the time to process one frame        </a:t>
             </a:r>
             <a:r>
-              <a:rPr lang="en-US" i="1" dirty="0"/>
+              <a:rPr lang="en-US" i="1" dirty="0">
+                <a:solidFill>
+                  <a:schemeClr val="accent1">
+                    <a:lumMod val="75000"/>
+                  </a:schemeClr>
+                </a:solidFill>
+              </a:rPr>
               <a:t>t = </a:t>
             </a:r>
             <a:r>
-              <a:rPr lang="en-US" dirty="0"/>
+              <a:rPr lang="en-US" dirty="0">
+                <a:solidFill>
+                  <a:schemeClr val="accent1">
+                    <a:lumMod val="75000"/>
+                  </a:schemeClr>
+                </a:solidFill>
+              </a:rPr>
               <a:t> 6.5582E-09x - 2.5284E-04, R² = 9.9977E-01</a:t>
             </a:r>
           </a:p>
@@ -12530,6 +13370,281 @@
 </file>
 
 <file path=ppt/slides/slide8.xml><?xml version="1.0" encoding="utf-8"?>
+<p:sld xmlns:a="http://schemas.openxmlformats.org/drawingml/2006/main" xmlns:r="http://schemas.openxmlformats.org/officeDocument/2006/relationships" xmlns:p="http://schemas.openxmlformats.org/presentationml/2006/main">
+  <p:cSld>
+    <p:spTree>
+      <p:nvGrpSpPr>
+        <p:cNvPr id="1" name="">
+          <a:extLst>
+            <a:ext uri="{FF2B5EF4-FFF2-40B4-BE49-F238E27FC236}">
+              <a16:creationId xmlns:a16="http://schemas.microsoft.com/office/drawing/2014/main" id="{6B9BC6C7-AFE4-1B7D-A0C6-F7BEE7904A34}"/>
+            </a:ext>
+          </a:extLst>
+        </p:cNvPr>
+        <p:cNvGrpSpPr/>
+        <p:nvPr/>
+      </p:nvGrpSpPr>
+      <p:grpSpPr>
+        <a:xfrm>
+          <a:off x="0" y="0"/>
+          <a:ext cx="0" cy="0"/>
+          <a:chOff x="0" y="0"/>
+          <a:chExt cx="0" cy="0"/>
+        </a:xfrm>
+      </p:grpSpPr>
+      <p:sp>
+        <p:nvSpPr>
+          <p:cNvPr id="2" name="TextBox 1">
+            <a:extLst>
+              <a:ext uri="{FF2B5EF4-FFF2-40B4-BE49-F238E27FC236}">
+                <a16:creationId xmlns:a16="http://schemas.microsoft.com/office/drawing/2014/main" id="{A5FD6253-8A33-D4FB-53D7-6EA468E3AA63}"/>
+              </a:ext>
+            </a:extLst>
+          </p:cNvPr>
+          <p:cNvSpPr txBox="1"/>
+          <p:nvPr/>
+        </p:nvSpPr>
+        <p:spPr>
+          <a:xfrm>
+            <a:off x="3786909" y="120073"/>
+            <a:ext cx="4876800" cy="646331"/>
+          </a:xfrm>
+          <a:prstGeom prst="rect">
+            <a:avLst/>
+          </a:prstGeom>
+          <a:noFill/>
+        </p:spPr>
+        <p:txBody>
+          <a:bodyPr wrap="square" rtlCol="0">
+            <a:spAutoFit/>
+          </a:bodyPr>
+          <a:lstStyle/>
+          <a:p>
+            <a:pPr algn="ctr"/>
+            <a:r>
+              <a:rPr lang="en-US" dirty="0"/>
+              <a:t>Performance Analysis All  </a:t>
+            </a:r>
+          </a:p>
+          <a:p>
+            <a:pPr algn="ctr"/>
+            <a:r>
+              <a:rPr lang="en-US" dirty="0"/>
+              <a:t>Summary of interpretation</a:t>
+            </a:r>
+          </a:p>
+        </p:txBody>
+      </p:sp>
+      <p:sp>
+        <p:nvSpPr>
+          <p:cNvPr id="4" name="TextBox 3">
+            <a:extLst>
+              <a:ext uri="{FF2B5EF4-FFF2-40B4-BE49-F238E27FC236}">
+                <a16:creationId xmlns:a16="http://schemas.microsoft.com/office/drawing/2014/main" id="{01717F75-E2D9-4EEE-1A64-A34A70755D1C}"/>
+              </a:ext>
+            </a:extLst>
+          </p:cNvPr>
+          <p:cNvSpPr txBox="1"/>
+          <p:nvPr/>
+        </p:nvSpPr>
+        <p:spPr>
+          <a:xfrm>
+            <a:off x="706582" y="1066279"/>
+            <a:ext cx="11051309" cy="923330"/>
+          </a:xfrm>
+          <a:prstGeom prst="rect">
+            <a:avLst/>
+          </a:prstGeom>
+          <a:noFill/>
+        </p:spPr>
+        <p:txBody>
+          <a:bodyPr wrap="square" rtlCol="0">
+            <a:spAutoFit/>
+          </a:bodyPr>
+          <a:lstStyle/>
+          <a:p>
+            <a:r>
+              <a:rPr lang="en-US" b="1" i="1" dirty="0"/>
+              <a:t>The data being analyzed  is the time to detect collisions while the number of particles and collisions grow. The collisions are always half of the number of particles so that they grow linearly with the number of particles.</a:t>
+            </a:r>
+          </a:p>
+        </p:txBody>
+      </p:sp>
+      <p:sp>
+        <p:nvSpPr>
+          <p:cNvPr id="6" name="TextBox 5">
+            <a:extLst>
+              <a:ext uri="{FF2B5EF4-FFF2-40B4-BE49-F238E27FC236}">
+                <a16:creationId xmlns:a16="http://schemas.microsoft.com/office/drawing/2014/main" id="{9D441157-E242-FA3D-4BE0-1F590D77B72B}"/>
+              </a:ext>
+            </a:extLst>
+          </p:cNvPr>
+          <p:cNvSpPr txBox="1"/>
+          <p:nvPr/>
+        </p:nvSpPr>
+        <p:spPr>
+          <a:xfrm>
+            <a:off x="706582" y="2289484"/>
+            <a:ext cx="9649691" cy="2585323"/>
+          </a:xfrm>
+          <a:prstGeom prst="rect">
+            <a:avLst/>
+          </a:prstGeom>
+          <a:noFill/>
+        </p:spPr>
+        <p:txBody>
+          <a:bodyPr wrap="square" rtlCol="0">
+            <a:spAutoFit/>
+          </a:bodyPr>
+          <a:lstStyle/>
+          <a:p>
+            <a:r>
+              <a:rPr lang="en-US" dirty="0"/>
+              <a:t>When comparing graphics and compute performance, the compute consumes most of the time and grows at a rate greater than does graphics.  </a:t>
+            </a:r>
+          </a:p>
+          <a:p>
+            <a:pPr marL="342900" indent="-342900">
+              <a:buFont typeface="+mj-lt"/>
+              <a:buAutoNum type="arabicPeriod"/>
+            </a:pPr>
+            <a:endParaRPr lang="en-US" i="1" dirty="0">
+              <a:solidFill>
+                <a:schemeClr val="accent1">
+                  <a:lumMod val="75000"/>
+                </a:schemeClr>
+              </a:solidFill>
+            </a:endParaRPr>
+          </a:p>
+          <a:p>
+            <a:pPr marL="342900" indent="-342900">
+              <a:buFont typeface="+mj-lt"/>
+              <a:buAutoNum type="arabicPeriod"/>
+            </a:pPr>
+            <a:r>
+              <a:rPr lang="en-US" dirty="0">
+                <a:solidFill>
+                  <a:schemeClr val="accent1">
+                    <a:lumMod val="75000"/>
+                  </a:schemeClr>
+                </a:solidFill>
+              </a:rPr>
+              <a:t>A competing linear algorithm for the frame time of the compute pipeline, has a base cost of 6.5582E-09 (s)</a:t>
+            </a:r>
+            <a:r>
+              <a:rPr lang="en-US" baseline="30000" dirty="0">
+                <a:solidFill>
+                  <a:schemeClr val="accent1">
+                    <a:lumMod val="75000"/>
+                  </a:schemeClr>
+                </a:solidFill>
+              </a:rPr>
+              <a:t>  </a:t>
+            </a:r>
+            <a:r>
+              <a:rPr lang="en-US" dirty="0">
+                <a:solidFill>
+                  <a:schemeClr val="accent1">
+                    <a:lumMod val="75000"/>
+                  </a:schemeClr>
+                </a:solidFill>
+              </a:rPr>
+              <a:t>where </a:t>
+            </a:r>
+            <a:r>
+              <a:rPr lang="en-US" i="1" dirty="0">
+                <a:solidFill>
+                  <a:schemeClr val="accent1">
+                    <a:lumMod val="75000"/>
+                  </a:schemeClr>
+                </a:solidFill>
+              </a:rPr>
+              <a:t>x</a:t>
+            </a:r>
+            <a:r>
+              <a:rPr lang="en-US" dirty="0">
+                <a:solidFill>
+                  <a:schemeClr val="accent1">
+                    <a:lumMod val="75000"/>
+                  </a:schemeClr>
+                </a:solidFill>
+              </a:rPr>
+              <a:t> is the number of particles and </a:t>
+            </a:r>
+            <a:r>
+              <a:rPr lang="en-US" i="1" dirty="0">
+                <a:solidFill>
+                  <a:schemeClr val="accent1">
+                    <a:lumMod val="75000"/>
+                  </a:schemeClr>
+                </a:solidFill>
+              </a:rPr>
+              <a:t>t(s)</a:t>
+            </a:r>
+            <a:r>
+              <a:rPr lang="en-US" dirty="0">
+                <a:solidFill>
+                  <a:schemeClr val="accent1">
+                    <a:lumMod val="75000"/>
+                  </a:schemeClr>
+                </a:solidFill>
+              </a:rPr>
+              <a:t> is the time to process one frame        </a:t>
+            </a:r>
+            <a:r>
+              <a:rPr lang="en-US" i="1" dirty="0">
+                <a:solidFill>
+                  <a:schemeClr val="accent1">
+                    <a:lumMod val="75000"/>
+                  </a:schemeClr>
+                </a:solidFill>
+              </a:rPr>
+              <a:t>t = </a:t>
+            </a:r>
+            <a:r>
+              <a:rPr lang="en-US" dirty="0">
+                <a:solidFill>
+                  <a:schemeClr val="accent1">
+                    <a:lumMod val="75000"/>
+                  </a:schemeClr>
+                </a:solidFill>
+              </a:rPr>
+              <a:t> 6.5582E-09x - 2.5284E-04, R² = 9.9977E-01</a:t>
+            </a:r>
+          </a:p>
+          <a:p>
+            <a:pPr marL="342900" indent="-342900">
+              <a:buFont typeface="+mj-lt"/>
+              <a:buAutoNum type="arabicPeriod"/>
+            </a:pPr>
+            <a:endParaRPr lang="en-US" i="1" baseline="0" dirty="0"/>
+          </a:p>
+          <a:p>
+            <a:pPr marL="342900" indent="-342900">
+              <a:buFont typeface="+mj-lt"/>
+              <a:buAutoNum type="arabicPeriod"/>
+            </a:pPr>
+            <a:endParaRPr lang="en-US" dirty="0"/>
+          </a:p>
+          <a:p>
+            <a:endParaRPr lang="en-US" i="1" dirty="0"/>
+          </a:p>
+        </p:txBody>
+      </p:sp>
+    </p:spTree>
+    <p:extLst>
+      <p:ext uri="{BB962C8B-B14F-4D97-AF65-F5344CB8AC3E}">
+        <p14:creationId xmlns:p14="http://schemas.microsoft.com/office/powerpoint/2010/main" val="2864243880"/>
+      </p:ext>
+    </p:extLst>
+  </p:cSld>
+  <p:clrMapOvr>
+    <a:masterClrMapping/>
+  </p:clrMapOvr>
+</p:sld>
+</file>
+
+<file path=ppt/slides/slide9.xml><?xml version="1.0" encoding="utf-8"?>
 <p:sld xmlns:a="http://schemas.openxmlformats.org/drawingml/2006/main" xmlns:r="http://schemas.openxmlformats.org/officeDocument/2006/relationships" xmlns:p="http://schemas.openxmlformats.org/presentationml/2006/main">
   <p:cSld>
     <p:spTree>
@@ -12655,199 +13770,6 @@
     <p:extLst>
       <p:ext uri="{BB962C8B-B14F-4D97-AF65-F5344CB8AC3E}">
         <p14:creationId xmlns:p14="http://schemas.microsoft.com/office/powerpoint/2010/main" val="818394946"/>
-      </p:ext>
-    </p:extLst>
-  </p:cSld>
-  <p:clrMapOvr>
-    <a:masterClrMapping/>
-  </p:clrMapOvr>
-</p:sld>
-</file>
-
-<file path=ppt/slides/slide9.xml><?xml version="1.0" encoding="utf-8"?>
-<p:sld xmlns:a="http://schemas.openxmlformats.org/drawingml/2006/main" xmlns:r="http://schemas.openxmlformats.org/officeDocument/2006/relationships" xmlns:p="http://schemas.openxmlformats.org/presentationml/2006/main">
-  <p:cSld>
-    <p:bg>
-      <p:bgPr>
-        <a:solidFill>
-          <a:schemeClr val="bg1"/>
-        </a:solidFill>
-        <a:effectLst/>
-      </p:bgPr>
-    </p:bg>
-    <p:spTree>
-      <p:nvGrpSpPr>
-        <p:cNvPr id="1" name="">
-          <a:extLst>
-            <a:ext uri="{FF2B5EF4-FFF2-40B4-BE49-F238E27FC236}">
-              <a16:creationId xmlns:a16="http://schemas.microsoft.com/office/drawing/2014/main" id="{3D232A5D-56F8-3C5F-3B73-D842EDA7C685}"/>
-            </a:ext>
-          </a:extLst>
-        </p:cNvPr>
-        <p:cNvGrpSpPr/>
-        <p:nvPr/>
-      </p:nvGrpSpPr>
-      <p:grpSpPr>
-        <a:xfrm>
-          <a:off x="0" y="0"/>
-          <a:ext cx="0" cy="0"/>
-          <a:chOff x="0" y="0"/>
-          <a:chExt cx="0" cy="0"/>
-        </a:xfrm>
-      </p:grpSpPr>
-      <p:sp>
-        <p:nvSpPr>
-          <p:cNvPr id="5" name="TextBox 4">
-            <a:extLst>
-              <a:ext uri="{FF2B5EF4-FFF2-40B4-BE49-F238E27FC236}">
-                <a16:creationId xmlns:a16="http://schemas.microsoft.com/office/drawing/2014/main" id="{2A7D73B7-7C84-B547-5706-ECD193D5319B}"/>
-              </a:ext>
-            </a:extLst>
-          </p:cNvPr>
-          <p:cNvSpPr txBox="1"/>
-          <p:nvPr/>
-        </p:nvSpPr>
-        <p:spPr>
-          <a:xfrm>
-            <a:off x="3786909" y="120073"/>
-            <a:ext cx="4876800" cy="646331"/>
-          </a:xfrm>
-          <a:prstGeom prst="rect">
-            <a:avLst/>
-          </a:prstGeom>
-          <a:noFill/>
-        </p:spPr>
-        <p:txBody>
-          <a:bodyPr wrap="square" rtlCol="0">
-            <a:spAutoFit/>
-          </a:bodyPr>
-          <a:lstStyle/>
-          <a:p>
-            <a:pPr algn="ctr"/>
-            <a:r>
-              <a:rPr lang="en-US" dirty="0"/>
-              <a:t>Graphics Pipeline Total Frame Time (</a:t>
-            </a:r>
-            <a:r>
-              <a:rPr lang="en-US" dirty="0" err="1"/>
-              <a:t>spf</a:t>
-            </a:r>
-            <a:r>
-              <a:rPr lang="en-US" dirty="0"/>
-              <a:t>)</a:t>
-            </a:r>
-          </a:p>
-          <a:p>
-            <a:pPr algn="ctr"/>
-            <a:r>
-              <a:rPr lang="en-US" dirty="0"/>
-              <a:t>Polynomial Fit</a:t>
-            </a:r>
-          </a:p>
-        </p:txBody>
-      </p:sp>
-      <p:sp>
-        <p:nvSpPr>
-          <p:cNvPr id="10" name="TextBox 9">
-            <a:extLst>
-              <a:ext uri="{FF2B5EF4-FFF2-40B4-BE49-F238E27FC236}">
-                <a16:creationId xmlns:a16="http://schemas.microsoft.com/office/drawing/2014/main" id="{FCABF191-48F5-3062-97B2-C527C5C99639}"/>
-              </a:ext>
-            </a:extLst>
-          </p:cNvPr>
-          <p:cNvSpPr txBox="1"/>
-          <p:nvPr/>
-        </p:nvSpPr>
-        <p:spPr>
-          <a:xfrm>
-            <a:off x="632016" y="1297444"/>
-            <a:ext cx="7794338" cy="646331"/>
-          </a:xfrm>
-          <a:prstGeom prst="rect">
-            <a:avLst/>
-          </a:prstGeom>
-          <a:noFill/>
-        </p:spPr>
-        <p:txBody>
-          <a:bodyPr wrap="square">
-            <a:spAutoFit/>
-          </a:bodyPr>
-          <a:lstStyle/>
-          <a:p>
-            <a:r>
-              <a:rPr lang="en-US" dirty="0"/>
-              <a:t>The quadratic trendline for the graphics pipeline. A completing algorithm has a K=2.6135E-18 which is essentially zero.</a:t>
-            </a:r>
-          </a:p>
-        </p:txBody>
-      </p:sp>
-      <p:graphicFrame>
-        <p:nvGraphicFramePr>
-          <p:cNvPr id="4" name="Object 3">
-            <a:extLst>
-              <a:ext uri="{FF2B5EF4-FFF2-40B4-BE49-F238E27FC236}">
-                <a16:creationId xmlns:a16="http://schemas.microsoft.com/office/drawing/2014/main" id="{65396FB7-D597-C630-E09D-3EFF1A8E9C61}"/>
-              </a:ext>
-            </a:extLst>
-          </p:cNvPr>
-          <p:cNvGraphicFramePr>
-            <a:graphicFrameLocks noChangeAspect="1"/>
-          </p:cNvGraphicFramePr>
-          <p:nvPr>
-            <p:extLst>
-              <p:ext uri="{D42A27DB-BD31-4B8C-83A1-F6EECF244321}">
-                <p14:modId xmlns:p14="http://schemas.microsoft.com/office/powerpoint/2010/main" val="3334815238"/>
-              </p:ext>
-            </p:extLst>
-          </p:nvPr>
-        </p:nvGraphicFramePr>
-        <p:xfrm>
-          <a:off x="632016" y="2036890"/>
-          <a:ext cx="8696325" cy="3895725"/>
-        </p:xfrm>
-        <a:graphic>
-          <a:graphicData uri="http://schemas.openxmlformats.org/presentationml/2006/ole">
-            <mc:AlternateContent xmlns:mc="http://schemas.openxmlformats.org/markup-compatibility/2006">
-              <mc:Choice xmlns:v="urn:schemas-microsoft-com:vml" Requires="v">
-                <p:oleObj name="Worksheet" r:id="rId2" imgW="8696449" imgH="3895589" progId="Excel.Sheet.12">
-                  <p:link updateAutomatic="1"/>
-                </p:oleObj>
-              </mc:Choice>
-              <mc:Fallback>
-                <p:oleObj name="Worksheet" r:id="rId2" imgW="8696449" imgH="3895589" progId="Excel.Sheet.12">
-                  <p:link updateAutomatic="1"/>
-                  <p:pic>
-                    <p:nvPicPr>
-                      <p:cNvPr id="0" name=""/>
-                      <p:cNvPicPr/>
-                      <p:nvPr/>
-                    </p:nvPicPr>
-                    <p:blipFill>
-                      <a:blip r:embed="rId3"/>
-                      <a:stretch>
-                        <a:fillRect/>
-                      </a:stretch>
-                    </p:blipFill>
-                    <p:spPr>
-                      <a:xfrm>
-                        <a:off x="632016" y="2036890"/>
-                        <a:ext cx="8696325" cy="3895725"/>
-                      </a:xfrm>
-                      <a:prstGeom prst="rect">
-                        <a:avLst/>
-                      </a:prstGeom>
-                    </p:spPr>
-                  </p:pic>
-                </p:oleObj>
-              </mc:Fallback>
-            </mc:AlternateContent>
-          </a:graphicData>
-        </a:graphic>
-      </p:graphicFrame>
-    </p:spTree>
-    <p:extLst>
-      <p:ext uri="{BB962C8B-B14F-4D97-AF65-F5344CB8AC3E}">
-        <p14:creationId xmlns:p14="http://schemas.microsoft.com/office/powerpoint/2010/main" val="1532647592"/>
       </p:ext>
     </p:extLst>
   </p:cSld>

--- a/python/cfg_reports/worksheets/gPCD Data Anaylisis.pptx
+++ b/python/cfg_reports/worksheets/gPCD Data Anaylisis.pptx
@@ -3359,7 +3359,7 @@
           <a:p>
             <a:fld id="{881A9FFB-1245-4C55-B1DA-652A95BDF5D2}" type="datetimeFigureOut">
               <a:rPr lang="en-US" smtClean="0"/>
-              <a:t>8/23/2025</a:t>
+              <a:t>8/29/2025</a:t>
             </a:fld>
             <a:endParaRPr lang="en-US"/>
           </a:p>
@@ -3557,7 +3557,7 @@
           <a:p>
             <a:fld id="{881A9FFB-1245-4C55-B1DA-652A95BDF5D2}" type="datetimeFigureOut">
               <a:rPr lang="en-US" smtClean="0"/>
-              <a:t>8/23/2025</a:t>
+              <a:t>8/29/2025</a:t>
             </a:fld>
             <a:endParaRPr lang="en-US"/>
           </a:p>
@@ -3765,7 +3765,7 @@
           <a:p>
             <a:fld id="{881A9FFB-1245-4C55-B1DA-652A95BDF5D2}" type="datetimeFigureOut">
               <a:rPr lang="en-US" smtClean="0"/>
-              <a:t>8/23/2025</a:t>
+              <a:t>8/29/2025</a:t>
             </a:fld>
             <a:endParaRPr lang="en-US"/>
           </a:p>
@@ -3963,7 +3963,7 @@
           <a:p>
             <a:fld id="{881A9FFB-1245-4C55-B1DA-652A95BDF5D2}" type="datetimeFigureOut">
               <a:rPr lang="en-US" smtClean="0"/>
-              <a:t>8/23/2025</a:t>
+              <a:t>8/29/2025</a:t>
             </a:fld>
             <a:endParaRPr lang="en-US"/>
           </a:p>
@@ -4238,7 +4238,7 @@
           <a:p>
             <a:fld id="{881A9FFB-1245-4C55-B1DA-652A95BDF5D2}" type="datetimeFigureOut">
               <a:rPr lang="en-US" smtClean="0"/>
-              <a:t>8/23/2025</a:t>
+              <a:t>8/29/2025</a:t>
             </a:fld>
             <a:endParaRPr lang="en-US"/>
           </a:p>
@@ -4503,7 +4503,7 @@
           <a:p>
             <a:fld id="{881A9FFB-1245-4C55-B1DA-652A95BDF5D2}" type="datetimeFigureOut">
               <a:rPr lang="en-US" smtClean="0"/>
-              <a:t>8/23/2025</a:t>
+              <a:t>8/29/2025</a:t>
             </a:fld>
             <a:endParaRPr lang="en-US"/>
           </a:p>
@@ -4915,7 +4915,7 @@
           <a:p>
             <a:fld id="{881A9FFB-1245-4C55-B1DA-652A95BDF5D2}" type="datetimeFigureOut">
               <a:rPr lang="en-US" smtClean="0"/>
-              <a:t>8/23/2025</a:t>
+              <a:t>8/29/2025</a:t>
             </a:fld>
             <a:endParaRPr lang="en-US"/>
           </a:p>
@@ -5056,7 +5056,7 @@
           <a:p>
             <a:fld id="{881A9FFB-1245-4C55-B1DA-652A95BDF5D2}" type="datetimeFigureOut">
               <a:rPr lang="en-US" smtClean="0"/>
-              <a:t>8/23/2025</a:t>
+              <a:t>8/29/2025</a:t>
             </a:fld>
             <a:endParaRPr lang="en-US"/>
           </a:p>
@@ -5169,7 +5169,7 @@
           <a:p>
             <a:fld id="{881A9FFB-1245-4C55-B1DA-652A95BDF5D2}" type="datetimeFigureOut">
               <a:rPr lang="en-US" smtClean="0"/>
-              <a:t>8/23/2025</a:t>
+              <a:t>8/29/2025</a:t>
             </a:fld>
             <a:endParaRPr lang="en-US"/>
           </a:p>
@@ -5480,7 +5480,7 @@
           <a:p>
             <a:fld id="{881A9FFB-1245-4C55-B1DA-652A95BDF5D2}" type="datetimeFigureOut">
               <a:rPr lang="en-US" smtClean="0"/>
-              <a:t>8/23/2025</a:t>
+              <a:t>8/29/2025</a:t>
             </a:fld>
             <a:endParaRPr lang="en-US"/>
           </a:p>
@@ -5768,7 +5768,7 @@
           <a:p>
             <a:fld id="{881A9FFB-1245-4C55-B1DA-652A95BDF5D2}" type="datetimeFigureOut">
               <a:rPr lang="en-US" smtClean="0"/>
-              <a:t>8/23/2025</a:t>
+              <a:t>8/29/2025</a:t>
             </a:fld>
             <a:endParaRPr lang="en-US"/>
           </a:p>
@@ -6009,7 +6009,7 @@
           <a:p>
             <a:fld id="{881A9FFB-1245-4C55-B1DA-652A95BDF5D2}" type="datetimeFigureOut">
               <a:rPr lang="en-US" smtClean="0"/>
-              <a:t>8/23/2025</a:t>
+              <a:t>8/29/2025</a:t>
             </a:fld>
             <a:endParaRPr lang="en-US"/>
           </a:p>
@@ -8222,7 +8222,7 @@
           <p:nvPr>
             <p:extLst>
               <p:ext uri="{D42A27DB-BD31-4B8C-83A1-F6EECF244321}">
-                <p14:modId xmlns:p14="http://schemas.microsoft.com/office/powerpoint/2010/main" val="3857155456"/>
+                <p14:modId xmlns:p14="http://schemas.microsoft.com/office/powerpoint/2010/main" val="3560449455"/>
               </p:ext>
             </p:extLst>
           </p:nvPr>
@@ -8576,7 +8576,7 @@
           <p:nvPr>
             <p:extLst>
               <p:ext uri="{D42A27DB-BD31-4B8C-83A1-F6EECF244321}">
-                <p14:modId xmlns:p14="http://schemas.microsoft.com/office/powerpoint/2010/main" val="1417912087"/>
+                <p14:modId xmlns:p14="http://schemas.microsoft.com/office/powerpoint/2010/main" val="1222289864"/>
               </p:ext>
             </p:extLst>
           </p:nvPr>
@@ -8766,7 +8766,7 @@
           <p:nvPr>
             <p:extLst>
               <p:ext uri="{D42A27DB-BD31-4B8C-83A1-F6EECF244321}">
-                <p14:modId xmlns:p14="http://schemas.microsoft.com/office/powerpoint/2010/main" val="566682453"/>
+                <p14:modId xmlns:p14="http://schemas.microsoft.com/office/powerpoint/2010/main" val="2767659045"/>
               </p:ext>
             </p:extLst>
           </p:nvPr>
@@ -8951,7 +8951,7 @@
           <p:nvPr>
             <p:extLst>
               <p:ext uri="{D42A27DB-BD31-4B8C-83A1-F6EECF244321}">
-                <p14:modId xmlns:p14="http://schemas.microsoft.com/office/powerpoint/2010/main" val="422435238"/>
+                <p14:modId xmlns:p14="http://schemas.microsoft.com/office/powerpoint/2010/main" val="2850245791"/>
               </p:ext>
             </p:extLst>
           </p:nvPr>
@@ -9155,7 +9155,7 @@
           <p:nvPr>
             <p:extLst>
               <p:ext uri="{D42A27DB-BD31-4B8C-83A1-F6EECF244321}">
-                <p14:modId xmlns:p14="http://schemas.microsoft.com/office/powerpoint/2010/main" val="2786192993"/>
+                <p14:modId xmlns:p14="http://schemas.microsoft.com/office/powerpoint/2010/main" val="237717437"/>
               </p:ext>
             </p:extLst>
           </p:nvPr>
@@ -9337,7 +9337,7 @@
           <p:nvPr>
             <p:extLst>
               <p:ext uri="{D42A27DB-BD31-4B8C-83A1-F6EECF244321}">
-                <p14:modId xmlns:p14="http://schemas.microsoft.com/office/powerpoint/2010/main" val="1530933734"/>
+                <p14:modId xmlns:p14="http://schemas.microsoft.com/office/powerpoint/2010/main" val="822295357"/>
               </p:ext>
             </p:extLst>
           </p:nvPr>
@@ -9659,7 +9659,7 @@
           <p:nvPr>
             <p:extLst>
               <p:ext uri="{D42A27DB-BD31-4B8C-83A1-F6EECF244321}">
-                <p14:modId xmlns:p14="http://schemas.microsoft.com/office/powerpoint/2010/main" val="3256687165"/>
+                <p14:modId xmlns:p14="http://schemas.microsoft.com/office/powerpoint/2010/main" val="3188602990"/>
               </p:ext>
             </p:extLst>
           </p:nvPr>
@@ -9844,7 +9844,7 @@
           <p:nvPr>
             <p:extLst>
               <p:ext uri="{D42A27DB-BD31-4B8C-83A1-F6EECF244321}">
-                <p14:modId xmlns:p14="http://schemas.microsoft.com/office/powerpoint/2010/main" val="3737290989"/>
+                <p14:modId xmlns:p14="http://schemas.microsoft.com/office/powerpoint/2010/main" val="3145069905"/>
               </p:ext>
             </p:extLst>
           </p:nvPr>
@@ -10034,7 +10034,7 @@
           <p:nvPr>
             <p:extLst>
               <p:ext uri="{D42A27DB-BD31-4B8C-83A1-F6EECF244321}">
-                <p14:modId xmlns:p14="http://schemas.microsoft.com/office/powerpoint/2010/main" val="911618154"/>
+                <p14:modId xmlns:p14="http://schemas.microsoft.com/office/powerpoint/2010/main" val="3077548469"/>
               </p:ext>
             </p:extLst>
           </p:nvPr>
@@ -10219,7 +10219,7 @@
           <p:nvPr>
             <p:extLst>
               <p:ext uri="{D42A27DB-BD31-4B8C-83A1-F6EECF244321}">
-                <p14:modId xmlns:p14="http://schemas.microsoft.com/office/powerpoint/2010/main" val="1665269753"/>
+                <p14:modId xmlns:p14="http://schemas.microsoft.com/office/powerpoint/2010/main" val="352260658"/>
               </p:ext>
             </p:extLst>
           </p:nvPr>
@@ -10843,7 +10843,7 @@
           <p:nvPr>
             <p:extLst>
               <p:ext uri="{D42A27DB-BD31-4B8C-83A1-F6EECF244321}">
-                <p14:modId xmlns:p14="http://schemas.microsoft.com/office/powerpoint/2010/main" val="353703473"/>
+                <p14:modId xmlns:p14="http://schemas.microsoft.com/office/powerpoint/2010/main" val="852954406"/>
               </p:ext>
             </p:extLst>
           </p:nvPr>
@@ -11110,7 +11110,7 @@
           <p:nvPr>
             <p:extLst>
               <p:ext uri="{D42A27DB-BD31-4B8C-83A1-F6EECF244321}">
-                <p14:modId xmlns:p14="http://schemas.microsoft.com/office/powerpoint/2010/main" val="2856431615"/>
+                <p14:modId xmlns:p14="http://schemas.microsoft.com/office/powerpoint/2010/main" val="2701527959"/>
               </p:ext>
             </p:extLst>
           </p:nvPr>
@@ -11280,7 +11280,7 @@
           <p:nvPr>
             <p:extLst>
               <p:ext uri="{D42A27DB-BD31-4B8C-83A1-F6EECF244321}">
-                <p14:modId xmlns:p14="http://schemas.microsoft.com/office/powerpoint/2010/main" val="1822915908"/>
+                <p14:modId xmlns:p14="http://schemas.microsoft.com/office/powerpoint/2010/main" val="3996035430"/>
               </p:ext>
             </p:extLst>
           </p:nvPr>
@@ -11456,7 +11456,7 @@
           <p:nvPr>
             <p:extLst>
               <p:ext uri="{D42A27DB-BD31-4B8C-83A1-F6EECF244321}">
-                <p14:modId xmlns:p14="http://schemas.microsoft.com/office/powerpoint/2010/main" val="1176015987"/>
+                <p14:modId xmlns:p14="http://schemas.microsoft.com/office/powerpoint/2010/main" val="1797803562"/>
               </p:ext>
             </p:extLst>
           </p:nvPr>
@@ -11848,7 +11848,7 @@
           <p:nvPr>
             <p:extLst>
               <p:ext uri="{D42A27DB-BD31-4B8C-83A1-F6EECF244321}">
-                <p14:modId xmlns:p14="http://schemas.microsoft.com/office/powerpoint/2010/main" val="2613138210"/>
+                <p14:modId xmlns:p14="http://schemas.microsoft.com/office/powerpoint/2010/main" val="3273871911"/>
               </p:ext>
             </p:extLst>
           </p:nvPr>
